--- a/slides/11-data-humanism.pptx
+++ b/slides/11-data-humanism.pptx
@@ -5,20 +5,21 @@
     <p:sldMasterId id="2147483852" r:id="rId1"/>
   </p:sldMasterIdLst>
   <p:notesMasterIdLst>
-    <p:notesMasterId r:id="rId13"/>
+    <p:notesMasterId r:id="rId14"/>
   </p:notesMasterIdLst>
   <p:sldIdLst>
     <p:sldId id="256" r:id="rId2"/>
     <p:sldId id="257" r:id="rId3"/>
-    <p:sldId id="259" r:id="rId4"/>
-    <p:sldId id="260" r:id="rId5"/>
-    <p:sldId id="262" r:id="rId6"/>
-    <p:sldId id="261" r:id="rId7"/>
-    <p:sldId id="264" r:id="rId8"/>
-    <p:sldId id="265" r:id="rId9"/>
-    <p:sldId id="266" r:id="rId10"/>
-    <p:sldId id="267" r:id="rId11"/>
-    <p:sldId id="263" r:id="rId12"/>
+    <p:sldId id="268" r:id="rId4"/>
+    <p:sldId id="259" r:id="rId5"/>
+    <p:sldId id="260" r:id="rId6"/>
+    <p:sldId id="262" r:id="rId7"/>
+    <p:sldId id="261" r:id="rId8"/>
+    <p:sldId id="264" r:id="rId9"/>
+    <p:sldId id="265" r:id="rId10"/>
+    <p:sldId id="266" r:id="rId11"/>
+    <p:sldId id="267" r:id="rId12"/>
+    <p:sldId id="263" r:id="rId13"/>
   </p:sldIdLst>
   <p:sldSz cx="12192000" cy="6858000"/>
   <p:notesSz cx="6858000" cy="9144000"/>
@@ -207,7 +208,7 @@
           <a:p>
             <a:fld id="{3CBB8A52-8AC5-C74C-97FB-632C448F3674}" type="datetimeFigureOut">
               <a:rPr lang="en-US" smtClean="0"/>
-              <a:t>10/1/24</a:t>
+              <a:t>10/9/24</a:t>
             </a:fld>
             <a:endParaRPr lang="en-US"/>
           </a:p>
@@ -574,7 +575,7 @@
           <a:p>
             <a:fld id="{E666506D-5C9B-294C-B2AE-15ACE8B5B9F7}" type="slidenum">
               <a:rPr lang="en-US" smtClean="0"/>
-              <a:t>3</a:t>
+              <a:t>4</a:t>
             </a:fld>
             <a:endParaRPr lang="en-US"/>
           </a:p>
@@ -658,7 +659,7 @@
           <a:p>
             <a:fld id="{E666506D-5C9B-294C-B2AE-15ACE8B5B9F7}" type="slidenum">
               <a:rPr lang="en-US" smtClean="0"/>
-              <a:t>4</a:t>
+              <a:t>5</a:t>
             </a:fld>
             <a:endParaRPr lang="en-US"/>
           </a:p>
@@ -777,7 +778,7 @@
           <a:p>
             <a:fld id="{E666506D-5C9B-294C-B2AE-15ACE8B5B9F7}" type="slidenum">
               <a:rPr lang="en-US" smtClean="0"/>
-              <a:t>5</a:t>
+              <a:t>6</a:t>
             </a:fld>
             <a:endParaRPr lang="en-US"/>
           </a:p>
@@ -861,7 +862,7 @@
           <a:p>
             <a:fld id="{E666506D-5C9B-294C-B2AE-15ACE8B5B9F7}" type="slidenum">
               <a:rPr lang="en-US" smtClean="0"/>
-              <a:t>6</a:t>
+              <a:t>7</a:t>
             </a:fld>
             <a:endParaRPr lang="en-US"/>
           </a:p>
@@ -1046,7 +1047,7 @@
           <a:p>
             <a:fld id="{E666506D-5C9B-294C-B2AE-15ACE8B5B9F7}" type="slidenum">
               <a:rPr lang="en-US" smtClean="0"/>
-              <a:t>7</a:t>
+              <a:t>8</a:t>
             </a:fld>
             <a:endParaRPr lang="en-US"/>
           </a:p>
@@ -1317,7 +1318,7 @@
           <a:p>
             <a:fld id="{E666506D-5C9B-294C-B2AE-15ACE8B5B9F7}" type="slidenum">
               <a:rPr lang="en-US" smtClean="0"/>
-              <a:t>8</a:t>
+              <a:t>9</a:t>
             </a:fld>
             <a:endParaRPr lang="en-US"/>
           </a:p>
@@ -1507,7 +1508,7 @@
           <a:p>
             <a:fld id="{E666506D-5C9B-294C-B2AE-15ACE8B5B9F7}" type="slidenum">
               <a:rPr lang="en-US" smtClean="0"/>
-              <a:t>9</a:t>
+              <a:t>10</a:t>
             </a:fld>
             <a:endParaRPr lang="en-US"/>
           </a:p>
@@ -1677,7 +1678,7 @@
           <a:p>
             <a:fld id="{E666506D-5C9B-294C-B2AE-15ACE8B5B9F7}" type="slidenum">
               <a:rPr lang="en-US" smtClean="0"/>
-              <a:t>10</a:t>
+              <a:t>11</a:t>
             </a:fld>
             <a:endParaRPr lang="en-US"/>
           </a:p>
@@ -1761,7 +1762,7 @@
           <a:p>
             <a:fld id="{E666506D-5C9B-294C-B2AE-15ACE8B5B9F7}" type="slidenum">
               <a:rPr lang="en-US" smtClean="0"/>
-              <a:t>11</a:t>
+              <a:t>12</a:t>
             </a:fld>
             <a:endParaRPr lang="en-US"/>
           </a:p>
@@ -2005,7 +2006,7 @@
             <a:fld id="{5586B75A-687E-405C-8A0B-8D00578BA2C3}" type="datetimeFigureOut">
               <a:rPr lang="en-US" smtClean="0"/>
               <a:pPr/>
-              <a:t>10/1/24</a:t>
+              <a:t>10/9/24</a:t>
             </a:fld>
             <a:endParaRPr lang="en-US" dirty="0"/>
           </a:p>
@@ -2177,7 +2178,7 @@
             <a:fld id="{5586B75A-687E-405C-8A0B-8D00578BA2C3}" type="datetimeFigureOut">
               <a:rPr lang="en-US" smtClean="0"/>
               <a:pPr/>
-              <a:t>10/1/24</a:t>
+              <a:t>10/9/24</a:t>
             </a:fld>
             <a:endParaRPr lang="en-US" dirty="0"/>
           </a:p>
@@ -2359,7 +2360,7 @@
             <a:fld id="{5586B75A-687E-405C-8A0B-8D00578BA2C3}" type="datetimeFigureOut">
               <a:rPr lang="en-US" smtClean="0"/>
               <a:pPr/>
-              <a:t>10/1/24</a:t>
+              <a:t>10/9/24</a:t>
             </a:fld>
             <a:endParaRPr lang="en-US" dirty="0"/>
           </a:p>
@@ -2531,7 +2532,7 @@
             <a:fld id="{5586B75A-687E-405C-8A0B-8D00578BA2C3}" type="datetimeFigureOut">
               <a:rPr lang="en-US" smtClean="0"/>
               <a:pPr/>
-              <a:t>10/1/24</a:t>
+              <a:t>10/9/24</a:t>
             </a:fld>
             <a:endParaRPr lang="en-US" dirty="0"/>
           </a:p>
@@ -2787,7 +2788,7 @@
             <a:fld id="{5586B75A-687E-405C-8A0B-8D00578BA2C3}" type="datetimeFigureOut">
               <a:rPr lang="en-US" smtClean="0"/>
               <a:pPr/>
-              <a:t>10/1/24</a:t>
+              <a:t>10/9/24</a:t>
             </a:fld>
             <a:endParaRPr lang="en-US" dirty="0"/>
           </a:p>
@@ -3077,7 +3078,7 @@
             <a:fld id="{5586B75A-687E-405C-8A0B-8D00578BA2C3}" type="datetimeFigureOut">
               <a:rPr lang="en-US" smtClean="0"/>
               <a:pPr/>
-              <a:t>10/1/24</a:t>
+              <a:t>10/9/24</a:t>
             </a:fld>
             <a:endParaRPr lang="en-US" dirty="0"/>
           </a:p>
@@ -3521,7 +3522,7 @@
             <a:fld id="{5586B75A-687E-405C-8A0B-8D00578BA2C3}" type="datetimeFigureOut">
               <a:rPr lang="en-US" smtClean="0"/>
               <a:pPr/>
-              <a:t>10/1/24</a:t>
+              <a:t>10/9/24</a:t>
             </a:fld>
             <a:endParaRPr lang="en-US" dirty="0"/>
           </a:p>
@@ -3641,7 +3642,7 @@
             <a:fld id="{5586B75A-687E-405C-8A0B-8D00578BA2C3}" type="datetimeFigureOut">
               <a:rPr lang="en-US" smtClean="0"/>
               <a:pPr/>
-              <a:t>10/1/24</a:t>
+              <a:t>10/9/24</a:t>
             </a:fld>
             <a:endParaRPr lang="en-US" dirty="0"/>
           </a:p>
@@ -3738,7 +3739,7 @@
             <a:fld id="{5586B75A-687E-405C-8A0B-8D00578BA2C3}" type="datetimeFigureOut">
               <a:rPr lang="en-US" smtClean="0"/>
               <a:pPr/>
-              <a:t>10/1/24</a:t>
+              <a:t>10/9/24</a:t>
             </a:fld>
             <a:endParaRPr lang="en-US" dirty="0"/>
           </a:p>
@@ -4028,7 +4029,7 @@
             <a:fld id="{5586B75A-687E-405C-8A0B-8D00578BA2C3}" type="datetimeFigureOut">
               <a:rPr lang="en-US" smtClean="0"/>
               <a:pPr/>
-              <a:t>10/1/24</a:t>
+              <a:t>10/9/24</a:t>
             </a:fld>
             <a:endParaRPr lang="en-US" dirty="0"/>
           </a:p>
@@ -4303,7 +4304,7 @@
             <a:fld id="{5586B75A-687E-405C-8A0B-8D00578BA2C3}" type="datetimeFigureOut">
               <a:rPr lang="en-US" smtClean="0"/>
               <a:pPr/>
-              <a:t>10/1/24</a:t>
+              <a:t>10/9/24</a:t>
             </a:fld>
             <a:endParaRPr lang="en-US" dirty="0"/>
           </a:p>
@@ -4602,7 +4603,7 @@
             <a:fld id="{5586B75A-687E-405C-8A0B-8D00578BA2C3}" type="datetimeFigureOut">
               <a:rPr lang="en-US" smtClean="0"/>
               <a:pPr/>
-              <a:t>10/1/24</a:t>
+              <a:t>10/9/24</a:t>
             </a:fld>
             <a:endParaRPr lang="en-US" dirty="0"/>
           </a:p>
@@ -5197,2184 +5198,6 @@
           <a:p>
             <a:r>
               <a:rPr lang="en-US" dirty="0"/>
-              <a:t>Data Humanism: Remember That Data is Imperfect</a:t>
-            </a:r>
-          </a:p>
-        </p:txBody>
-      </p:sp>
-      <p:pic>
-        <p:nvPicPr>
-          <p:cNvPr id="4098" name="Picture 2">
-            <a:extLst>
-              <a:ext uri="{FF2B5EF4-FFF2-40B4-BE49-F238E27FC236}">
-                <a16:creationId xmlns:a16="http://schemas.microsoft.com/office/drawing/2014/main" id="{CEFEB4CA-4F9D-97E5-E5CF-54C1FC76D829}"/>
-              </a:ext>
-            </a:extLst>
-          </p:cNvPr>
-          <p:cNvPicPr>
-            <a:picLocks noChangeAspect="1" noChangeArrowheads="1"/>
-          </p:cNvPicPr>
-          <p:nvPr/>
-        </p:nvPicPr>
-        <p:blipFill>
-          <a:blip r:embed="rId3">
-            <a:extLst>
-              <a:ext uri="{28A0092B-C50C-407E-A947-70E740481C1C}">
-                <a14:useLocalDpi xmlns:a14="http://schemas.microsoft.com/office/drawing/2010/main" val="0"/>
-              </a:ext>
-            </a:extLst>
-          </a:blip>
-          <a:srcRect/>
-          <a:stretch>
-            <a:fillRect/>
-          </a:stretch>
-        </p:blipFill>
-        <p:spPr bwMode="auto">
-          <a:xfrm>
-            <a:off x="3564011" y="806450"/>
-            <a:ext cx="8007277" cy="5245100"/>
-          </a:xfrm>
-          <a:prstGeom prst="rect">
-            <a:avLst/>
-          </a:prstGeom>
-          <a:noFill/>
-          <a:extLst>
-            <a:ext uri="{909E8E84-426E-40DD-AFC4-6F175D3DCCD1}">
-              <a14:hiddenFill xmlns:a14="http://schemas.microsoft.com/office/drawing/2010/main">
-                <a:solidFill>
-                  <a:srgbClr val="FFFFFF"/>
-                </a:solidFill>
-              </a14:hiddenFill>
-            </a:ext>
-          </a:extLst>
-        </p:spPr>
-      </p:pic>
-    </p:spTree>
-    <p:extLst>
-      <p:ext uri="{BB962C8B-B14F-4D97-AF65-F5344CB8AC3E}">
-        <p14:creationId xmlns:p14="http://schemas.microsoft.com/office/powerpoint/2010/main" val="4232819281"/>
-      </p:ext>
-    </p:extLst>
-  </p:cSld>
-  <p:clrMapOvr>
-    <a:masterClrMapping/>
-  </p:clrMapOvr>
-</p:sld>
-</file>
-
-<file path=ppt/slides/slide11.xml><?xml version="1.0" encoding="utf-8"?>
-<p:sld xmlns:a="http://schemas.openxmlformats.org/drawingml/2006/main" xmlns:r="http://schemas.openxmlformats.org/officeDocument/2006/relationships" xmlns:p="http://schemas.openxmlformats.org/presentationml/2006/main">
-  <p:cSld>
-    <p:spTree>
-      <p:nvGrpSpPr>
-        <p:cNvPr id="1" name=""/>
-        <p:cNvGrpSpPr/>
-        <p:nvPr/>
-      </p:nvGrpSpPr>
-      <p:grpSpPr>
-        <a:xfrm>
-          <a:off x="0" y="0"/>
-          <a:ext cx="0" cy="0"/>
-          <a:chOff x="0" y="0"/>
-          <a:chExt cx="0" cy="0"/>
-        </a:xfrm>
-      </p:grpSpPr>
-      <p:sp>
-        <p:nvSpPr>
-          <p:cNvPr id="2" name="Title 1">
-            <a:extLst>
-              <a:ext uri="{FF2B5EF4-FFF2-40B4-BE49-F238E27FC236}">
-                <a16:creationId xmlns:a16="http://schemas.microsoft.com/office/drawing/2014/main" id="{10D330C2-52A4-1ABA-980B-56FBC97F350C}"/>
-              </a:ext>
-            </a:extLst>
-          </p:cNvPr>
-          <p:cNvSpPr>
-            <a:spLocks noGrp="1"/>
-          </p:cNvSpPr>
-          <p:nvPr>
-            <p:ph type="title"/>
-          </p:nvPr>
-        </p:nvSpPr>
-        <p:spPr/>
-        <p:txBody>
-          <a:bodyPr/>
-          <a:lstStyle/>
-          <a:p>
-            <a:r>
-              <a:rPr lang="en-US" dirty="0"/>
-              <a:t>Discussion</a:t>
-            </a:r>
-          </a:p>
-        </p:txBody>
-      </p:sp>
-      <p:sp>
-        <p:nvSpPr>
-          <p:cNvPr id="3" name="Content Placeholder 2">
-            <a:extLst>
-              <a:ext uri="{FF2B5EF4-FFF2-40B4-BE49-F238E27FC236}">
-                <a16:creationId xmlns:a16="http://schemas.microsoft.com/office/drawing/2014/main" id="{64674868-2866-029E-AAD9-83BCC8B8718E}"/>
-              </a:ext>
-            </a:extLst>
-          </p:cNvPr>
-          <p:cNvSpPr>
-            <a:spLocks noGrp="1"/>
-          </p:cNvSpPr>
-          <p:nvPr>
-            <p:ph idx="1"/>
-          </p:nvPr>
-        </p:nvSpPr>
-        <p:spPr>
-          <a:xfrm>
-            <a:off x="3869268" y="864108"/>
-            <a:ext cx="7315200" cy="5120640"/>
-          </a:xfrm>
-        </p:spPr>
-        <p:txBody>
-          <a:bodyPr anchor="t">
-            <a:normAutofit/>
-          </a:bodyPr>
-          <a:lstStyle/>
-          <a:p>
-            <a:pPr marL="182880" marR="0" lvl="0" indent="-182880" algn="l" defTabSz="914400" rtl="0" eaLnBrk="1" fontAlgn="auto" latinLnBrk="0" hangingPunct="1">
-              <a:lnSpc>
-                <a:spcPct val="100000"/>
-              </a:lnSpc>
-              <a:spcBef>
-                <a:spcPts val="0"/>
-              </a:spcBef>
-              <a:spcAft>
-                <a:spcPts val="0"/>
-              </a:spcAft>
-              <a:buClr>
-                <a:srgbClr val="93A299"/>
-              </a:buClr>
-              <a:buSzPts val="2040"/>
-              <a:buFont typeface="Arial"/>
-              <a:buChar char="•"/>
-              <a:tabLst/>
-              <a:defRPr/>
-            </a:pPr>
-            <a:endParaRPr lang="en-US" sz="2400" kern="0" dirty="0">
-              <a:ea typeface="Arial"/>
-              <a:cs typeface="Arial"/>
-              <a:sym typeface="Arial"/>
-            </a:endParaRPr>
-          </a:p>
-          <a:p>
-            <a:pPr marL="182880" marR="0" lvl="0" indent="-182880" algn="l" defTabSz="914400" rtl="0" eaLnBrk="1" fontAlgn="auto" latinLnBrk="0" hangingPunct="1">
-              <a:lnSpc>
-                <a:spcPct val="100000"/>
-              </a:lnSpc>
-              <a:spcBef>
-                <a:spcPts val="0"/>
-              </a:spcBef>
-              <a:spcAft>
-                <a:spcPts val="0"/>
-              </a:spcAft>
-              <a:buClr>
-                <a:srgbClr val="93A299"/>
-              </a:buClr>
-              <a:buSzPts val="2040"/>
-              <a:buFont typeface="Arial"/>
-              <a:buChar char="•"/>
-              <a:tabLst/>
-              <a:defRPr/>
-            </a:pPr>
-            <a:endParaRPr lang="en-US" sz="2400" kern="0" dirty="0">
-              <a:ea typeface="Arial"/>
-              <a:cs typeface="Arial"/>
-              <a:sym typeface="Arial"/>
-            </a:endParaRPr>
-          </a:p>
-          <a:p>
-            <a:pPr marL="182880" marR="0" lvl="0" indent="-182880" algn="l" defTabSz="914400" rtl="0" eaLnBrk="1" fontAlgn="auto" latinLnBrk="0" hangingPunct="1">
-              <a:lnSpc>
-                <a:spcPct val="100000"/>
-              </a:lnSpc>
-              <a:spcBef>
-                <a:spcPts val="0"/>
-              </a:spcBef>
-              <a:spcAft>
-                <a:spcPts val="0"/>
-              </a:spcAft>
-              <a:buClr>
-                <a:srgbClr val="93A299"/>
-              </a:buClr>
-              <a:buSzPts val="2040"/>
-              <a:buFont typeface="Arial"/>
-              <a:buChar char="•"/>
-              <a:tabLst/>
-              <a:defRPr/>
-            </a:pPr>
-            <a:endParaRPr lang="en-US" sz="2400" kern="0" dirty="0">
-              <a:ea typeface="Arial"/>
-              <a:cs typeface="Arial"/>
-              <a:sym typeface="Arial"/>
-            </a:endParaRPr>
-          </a:p>
-          <a:p>
-            <a:pPr marL="182880" marR="0" lvl="0" indent="-182880" algn="l" defTabSz="914400" rtl="0" eaLnBrk="1" fontAlgn="auto" latinLnBrk="0" hangingPunct="1">
-              <a:lnSpc>
-                <a:spcPct val="100000"/>
-              </a:lnSpc>
-              <a:spcBef>
-                <a:spcPts val="0"/>
-              </a:spcBef>
-              <a:spcAft>
-                <a:spcPts val="0"/>
-              </a:spcAft>
-              <a:buClr>
-                <a:srgbClr val="93A299"/>
-              </a:buClr>
-              <a:buSzPts val="2040"/>
-              <a:buFont typeface="Arial"/>
-              <a:buChar char="•"/>
-              <a:tabLst/>
-              <a:defRPr/>
-            </a:pPr>
-            <a:endParaRPr lang="en-US" sz="2400" kern="0" dirty="0">
-              <a:ea typeface="Arial"/>
-              <a:cs typeface="Arial"/>
-              <a:sym typeface="Arial"/>
-            </a:endParaRPr>
-          </a:p>
-          <a:p>
-            <a:pPr marL="182880" marR="0" lvl="0" indent="-182880" algn="l" defTabSz="914400" rtl="0" eaLnBrk="1" fontAlgn="auto" latinLnBrk="0" hangingPunct="1">
-              <a:lnSpc>
-                <a:spcPct val="100000"/>
-              </a:lnSpc>
-              <a:spcBef>
-                <a:spcPts val="0"/>
-              </a:spcBef>
-              <a:spcAft>
-                <a:spcPts val="0"/>
-              </a:spcAft>
-              <a:buClr>
-                <a:srgbClr val="93A299"/>
-              </a:buClr>
-              <a:buSzPts val="2040"/>
-              <a:buFont typeface="Arial"/>
-              <a:buChar char="•"/>
-              <a:tabLst/>
-              <a:defRPr/>
-            </a:pPr>
-            <a:endParaRPr lang="en-US" sz="2400" kern="0" dirty="0">
-              <a:ea typeface="Arial"/>
-              <a:cs typeface="Arial"/>
-              <a:sym typeface="Arial"/>
-            </a:endParaRPr>
-          </a:p>
-          <a:p>
-            <a:pPr marL="182880" marR="0" lvl="0" indent="-182880" algn="l" defTabSz="914400" rtl="0" eaLnBrk="1" fontAlgn="auto" latinLnBrk="0" hangingPunct="1">
-              <a:lnSpc>
-                <a:spcPct val="100000"/>
-              </a:lnSpc>
-              <a:spcBef>
-                <a:spcPts val="0"/>
-              </a:spcBef>
-              <a:spcAft>
-                <a:spcPts val="0"/>
-              </a:spcAft>
-              <a:buClr>
-                <a:srgbClr val="93A299"/>
-              </a:buClr>
-              <a:buSzPts val="2040"/>
-              <a:buFont typeface="Arial"/>
-              <a:buChar char="•"/>
-              <a:tabLst/>
-              <a:defRPr/>
-            </a:pPr>
-            <a:endParaRPr lang="en-US" sz="2400" kern="0" dirty="0">
-              <a:ea typeface="Arial"/>
-              <a:cs typeface="Arial"/>
-              <a:sym typeface="Arial"/>
-            </a:endParaRPr>
-          </a:p>
-          <a:p>
-            <a:pPr marL="0" marR="0" lvl="0" indent="0" algn="l" defTabSz="914400" rtl="0" eaLnBrk="1" fontAlgn="auto" latinLnBrk="0" hangingPunct="1">
-              <a:lnSpc>
-                <a:spcPct val="100000"/>
-              </a:lnSpc>
-              <a:spcBef>
-                <a:spcPts val="0"/>
-              </a:spcBef>
-              <a:spcAft>
-                <a:spcPts val="0"/>
-              </a:spcAft>
-              <a:buClr>
-                <a:srgbClr val="93A299"/>
-              </a:buClr>
-              <a:buSzPts val="2040"/>
-              <a:buNone/>
-              <a:tabLst/>
-              <a:defRPr/>
-            </a:pPr>
-            <a:r>
-              <a:rPr lang="en-US" sz="2400" kern="0" dirty="0">
-                <a:ea typeface="Arial"/>
-                <a:cs typeface="Arial"/>
-                <a:sym typeface="Arial"/>
-              </a:rPr>
-              <a:t>Does this approach fit into the theoretical picture we’ve developed so far? Why or why not? </a:t>
-            </a:r>
-          </a:p>
-        </p:txBody>
-      </p:sp>
-    </p:spTree>
-    <p:extLst>
-      <p:ext uri="{BB962C8B-B14F-4D97-AF65-F5344CB8AC3E}">
-        <p14:creationId xmlns:p14="http://schemas.microsoft.com/office/powerpoint/2010/main" val="2228282625"/>
-      </p:ext>
-    </p:extLst>
-  </p:cSld>
-  <p:clrMapOvr>
-    <a:masterClrMapping/>
-  </p:clrMapOvr>
-</p:sld>
-</file>
-
-<file path=ppt/slides/slide2.xml><?xml version="1.0" encoding="utf-8"?>
-<p:sld xmlns:a="http://schemas.openxmlformats.org/drawingml/2006/main" xmlns:r="http://schemas.openxmlformats.org/officeDocument/2006/relationships" xmlns:p="http://schemas.openxmlformats.org/presentationml/2006/main">
-  <p:cSld>
-    <p:spTree>
-      <p:nvGrpSpPr>
-        <p:cNvPr id="1" name=""/>
-        <p:cNvGrpSpPr/>
-        <p:nvPr/>
-      </p:nvGrpSpPr>
-      <p:grpSpPr>
-        <a:xfrm>
-          <a:off x="0" y="0"/>
-          <a:ext cx="0" cy="0"/>
-          <a:chOff x="0" y="0"/>
-          <a:chExt cx="0" cy="0"/>
-        </a:xfrm>
-      </p:grpSpPr>
-      <p:sp>
-        <p:nvSpPr>
-          <p:cNvPr id="2" name="Title 1">
-            <a:extLst>
-              <a:ext uri="{FF2B5EF4-FFF2-40B4-BE49-F238E27FC236}">
-                <a16:creationId xmlns:a16="http://schemas.microsoft.com/office/drawing/2014/main" id="{10D330C2-52A4-1ABA-980B-56FBC97F350C}"/>
-              </a:ext>
-            </a:extLst>
-          </p:cNvPr>
-          <p:cNvSpPr>
-            <a:spLocks noGrp="1"/>
-          </p:cNvSpPr>
-          <p:nvPr>
-            <p:ph type="title"/>
-          </p:nvPr>
-        </p:nvSpPr>
-        <p:spPr/>
-        <p:txBody>
-          <a:bodyPr/>
-          <a:lstStyle/>
-          <a:p>
-            <a:r>
-              <a:rPr lang="en-US" dirty="0"/>
-              <a:t>Plan for Today</a:t>
-            </a:r>
-          </a:p>
-        </p:txBody>
-      </p:sp>
-      <p:sp>
-        <p:nvSpPr>
-          <p:cNvPr id="3" name="Content Placeholder 2">
-            <a:extLst>
-              <a:ext uri="{FF2B5EF4-FFF2-40B4-BE49-F238E27FC236}">
-                <a16:creationId xmlns:a16="http://schemas.microsoft.com/office/drawing/2014/main" id="{9EAE50F6-429C-715A-C25C-1C7744AED1CF}"/>
-              </a:ext>
-            </a:extLst>
-          </p:cNvPr>
-          <p:cNvSpPr>
-            <a:spLocks noGrp="1"/>
-          </p:cNvSpPr>
-          <p:nvPr>
-            <p:ph idx="1"/>
-          </p:nvPr>
-        </p:nvSpPr>
-        <p:spPr/>
-        <p:txBody>
-          <a:bodyPr>
-            <a:normAutofit/>
-          </a:bodyPr>
-          <a:lstStyle/>
-          <a:p>
-            <a:pPr marL="182880" marR="0" lvl="0" indent="-182880" algn="l" defTabSz="914400" rtl="0" eaLnBrk="1" fontAlgn="auto" latinLnBrk="0" hangingPunct="1">
-              <a:lnSpc>
-                <a:spcPct val="100000"/>
-              </a:lnSpc>
-              <a:spcBef>
-                <a:spcPts val="0"/>
-              </a:spcBef>
-              <a:spcAft>
-                <a:spcPts val="0"/>
-              </a:spcAft>
-              <a:buClr>
-                <a:srgbClr val="93A299"/>
-              </a:buClr>
-              <a:buSzPts val="2040"/>
-              <a:buFont typeface="Arial"/>
-              <a:buChar char="•"/>
-              <a:tabLst/>
-              <a:defRPr/>
-            </a:pPr>
-            <a:r>
-              <a:rPr lang="en-US" sz="2400" kern="0" dirty="0">
-                <a:ea typeface="Arial"/>
-                <a:cs typeface="Arial"/>
-                <a:sym typeface="Arial"/>
-              </a:rPr>
-              <a:t>The human side of data </a:t>
-            </a:r>
-          </a:p>
-          <a:p>
-            <a:pPr marL="182880" marR="0" lvl="0" indent="-182880" algn="l" defTabSz="914400" rtl="0" eaLnBrk="1" fontAlgn="auto" latinLnBrk="0" hangingPunct="1">
-              <a:lnSpc>
-                <a:spcPct val="100000"/>
-              </a:lnSpc>
-              <a:spcBef>
-                <a:spcPts val="0"/>
-              </a:spcBef>
-              <a:spcAft>
-                <a:spcPts val="0"/>
-              </a:spcAft>
-              <a:buClr>
-                <a:srgbClr val="93A299"/>
-              </a:buClr>
-              <a:buSzPts val="2040"/>
-              <a:buFont typeface="Arial"/>
-              <a:buChar char="•"/>
-              <a:tabLst/>
-              <a:defRPr/>
-            </a:pPr>
-            <a:r>
-              <a:rPr kumimoji="0" lang="en-US" sz="2400" b="0" i="0" u="none" strike="noStrike" kern="0" cap="none" spc="0" normalizeH="0" baseline="0" noProof="0" dirty="0">
-                <a:ln>
-                  <a:noFill/>
-                </a:ln>
-                <a:effectLst/>
-                <a:uLnTx/>
-                <a:uFillTx/>
-                <a:ea typeface="Arial"/>
-                <a:cs typeface="Arial"/>
-                <a:sym typeface="Arial"/>
-              </a:rPr>
-              <a:t>Visualization as art</a:t>
-            </a:r>
-          </a:p>
-          <a:p>
-            <a:pPr marL="182880" marR="0" lvl="0" indent="-182880" algn="l" defTabSz="914400" rtl="0" eaLnBrk="1" fontAlgn="auto" latinLnBrk="0" hangingPunct="1">
-              <a:lnSpc>
-                <a:spcPct val="100000"/>
-              </a:lnSpc>
-              <a:spcBef>
-                <a:spcPts val="0"/>
-              </a:spcBef>
-              <a:spcAft>
-                <a:spcPts val="0"/>
-              </a:spcAft>
-              <a:buClr>
-                <a:srgbClr val="93A299"/>
-              </a:buClr>
-              <a:buSzPts val="2040"/>
-              <a:buFont typeface="Arial"/>
-              <a:buChar char="•"/>
-              <a:tabLst/>
-              <a:defRPr/>
-            </a:pPr>
-            <a:r>
-              <a:rPr lang="en-US" sz="2400" kern="0" dirty="0">
-                <a:ea typeface="Arial"/>
-                <a:cs typeface="Arial"/>
-                <a:sym typeface="Arial"/>
-              </a:rPr>
-              <a:t>Visualization as experience </a:t>
-            </a:r>
-            <a:endParaRPr kumimoji="0" lang="en-US" sz="2400" b="0" i="0" u="none" strike="noStrike" kern="0" cap="none" spc="0" normalizeH="0" baseline="0" noProof="0" dirty="0">
-              <a:ln>
-                <a:noFill/>
-              </a:ln>
-              <a:effectLst/>
-              <a:uLnTx/>
-              <a:uFillTx/>
-              <a:ea typeface="Arial"/>
-              <a:cs typeface="Arial"/>
-              <a:sym typeface="Arial"/>
-            </a:endParaRPr>
-          </a:p>
-        </p:txBody>
-      </p:sp>
-    </p:spTree>
-    <p:extLst>
-      <p:ext uri="{BB962C8B-B14F-4D97-AF65-F5344CB8AC3E}">
-        <p14:creationId xmlns:p14="http://schemas.microsoft.com/office/powerpoint/2010/main" val="1085546165"/>
-      </p:ext>
-    </p:extLst>
-  </p:cSld>
-  <p:clrMapOvr>
-    <a:masterClrMapping/>
-  </p:clrMapOvr>
-</p:sld>
-</file>
-
-<file path=ppt/slides/slide3.xml><?xml version="1.0" encoding="utf-8"?>
-<p:sld xmlns:a="http://schemas.openxmlformats.org/drawingml/2006/main" xmlns:r="http://schemas.openxmlformats.org/officeDocument/2006/relationships" xmlns:p="http://schemas.openxmlformats.org/presentationml/2006/main">
-  <p:cSld>
-    <p:spTree>
-      <p:nvGrpSpPr>
-        <p:cNvPr id="1" name=""/>
-        <p:cNvGrpSpPr/>
-        <p:nvPr/>
-      </p:nvGrpSpPr>
-      <p:grpSpPr>
-        <a:xfrm>
-          <a:off x="0" y="0"/>
-          <a:ext cx="0" cy="0"/>
-          <a:chOff x="0" y="0"/>
-          <a:chExt cx="0" cy="0"/>
-        </a:xfrm>
-      </p:grpSpPr>
-      <p:sp>
-        <p:nvSpPr>
-          <p:cNvPr id="2" name="Title 1">
-            <a:extLst>
-              <a:ext uri="{FF2B5EF4-FFF2-40B4-BE49-F238E27FC236}">
-                <a16:creationId xmlns:a16="http://schemas.microsoft.com/office/drawing/2014/main" id="{10D330C2-52A4-1ABA-980B-56FBC97F350C}"/>
-              </a:ext>
-            </a:extLst>
-          </p:cNvPr>
-          <p:cNvSpPr>
-            <a:spLocks noGrp="1"/>
-          </p:cNvSpPr>
-          <p:nvPr>
-            <p:ph type="title"/>
-          </p:nvPr>
-        </p:nvSpPr>
-        <p:spPr/>
-        <p:txBody>
-          <a:bodyPr/>
-          <a:lstStyle/>
-          <a:p>
-            <a:r>
-              <a:rPr lang="en-US" dirty="0" err="1"/>
-              <a:t>Giorgia</a:t>
-            </a:r>
-            <a:r>
-              <a:rPr lang="en-US" dirty="0"/>
-              <a:t> </a:t>
-            </a:r>
-            <a:r>
-              <a:rPr lang="en-US" dirty="0" err="1"/>
-              <a:t>Lupi</a:t>
-            </a:r>
-            <a:endParaRPr lang="en-US" dirty="0"/>
-          </a:p>
-        </p:txBody>
-      </p:sp>
-      <p:pic>
-        <p:nvPicPr>
-          <p:cNvPr id="2050" name="Picture 2" descr="Data Humanism - A Visual Manifesto">
-            <a:extLst>
-              <a:ext uri="{FF2B5EF4-FFF2-40B4-BE49-F238E27FC236}">
-                <a16:creationId xmlns:a16="http://schemas.microsoft.com/office/drawing/2014/main" id="{4D8B36E8-B147-CC75-05BB-75A78D05044A}"/>
-              </a:ext>
-            </a:extLst>
-          </p:cNvPr>
-          <p:cNvPicPr>
-            <a:picLocks noChangeAspect="1" noChangeArrowheads="1"/>
-          </p:cNvPicPr>
-          <p:nvPr/>
-        </p:nvPicPr>
-        <p:blipFill rotWithShape="1">
-          <a:blip r:embed="rId3">
-            <a:extLst>
-              <a:ext uri="{28A0092B-C50C-407E-A947-70E740481C1C}">
-                <a14:useLocalDpi xmlns:a14="http://schemas.microsoft.com/office/drawing/2010/main" val="0"/>
-              </a:ext>
-            </a:extLst>
-          </a:blip>
-          <a:srcRect l="17954" r="10909" b="83168"/>
-          <a:stretch/>
-        </p:blipFill>
-        <p:spPr bwMode="auto">
-          <a:xfrm>
-            <a:off x="5113475" y="748146"/>
-            <a:ext cx="7078525" cy="942109"/>
-          </a:xfrm>
-          <a:prstGeom prst="rect">
-            <a:avLst/>
-          </a:prstGeom>
-          <a:noFill/>
-          <a:extLst>
-            <a:ext uri="{909E8E84-426E-40DD-AFC4-6F175D3DCCD1}">
-              <a14:hiddenFill xmlns:a14="http://schemas.microsoft.com/office/drawing/2010/main">
-                <a:solidFill>
-                  <a:srgbClr val="FFFFFF"/>
-                </a:solidFill>
-              </a14:hiddenFill>
-            </a:ext>
-          </a:extLst>
-        </p:spPr>
-      </p:pic>
-      <p:pic>
-        <p:nvPicPr>
-          <p:cNvPr id="1026" name="Picture 2" descr="Giorgia Lupi">
-            <a:extLst>
-              <a:ext uri="{FF2B5EF4-FFF2-40B4-BE49-F238E27FC236}">
-                <a16:creationId xmlns:a16="http://schemas.microsoft.com/office/drawing/2014/main" id="{63727CE9-3818-C920-D49C-D6F388E5C86F}"/>
-              </a:ext>
-            </a:extLst>
-          </p:cNvPr>
-          <p:cNvPicPr>
-            <a:picLocks noChangeAspect="1" noChangeArrowheads="1"/>
-          </p:cNvPicPr>
-          <p:nvPr/>
-        </p:nvPicPr>
-        <p:blipFill>
-          <a:blip r:embed="rId4">
-            <a:extLst>
-              <a:ext uri="{28A0092B-C50C-407E-A947-70E740481C1C}">
-                <a14:useLocalDpi xmlns:a14="http://schemas.microsoft.com/office/drawing/2010/main" val="0"/>
-              </a:ext>
-            </a:extLst>
-          </a:blip>
-          <a:srcRect/>
-          <a:stretch>
-            <a:fillRect/>
-          </a:stretch>
-        </p:blipFill>
-        <p:spPr bwMode="auto">
-          <a:xfrm>
-            <a:off x="3538104" y="199160"/>
-            <a:ext cx="2142258" cy="2142258"/>
-          </a:xfrm>
-          <a:prstGeom prst="rect">
-            <a:avLst/>
-          </a:prstGeom>
-          <a:noFill/>
-          <a:extLst>
-            <a:ext uri="{909E8E84-426E-40DD-AFC4-6F175D3DCCD1}">
-              <a14:hiddenFill xmlns:a14="http://schemas.microsoft.com/office/drawing/2010/main">
-                <a:solidFill>
-                  <a:srgbClr val="FFFFFF"/>
-                </a:solidFill>
-              </a14:hiddenFill>
-            </a:ext>
-          </a:extLst>
-        </p:spPr>
-      </p:pic>
-      <p:sp>
-        <p:nvSpPr>
-          <p:cNvPr id="3" name="Content Placeholder 2">
-            <a:extLst>
-              <a:ext uri="{FF2B5EF4-FFF2-40B4-BE49-F238E27FC236}">
-                <a16:creationId xmlns:a16="http://schemas.microsoft.com/office/drawing/2014/main" id="{524868D7-C3AB-69CC-A718-78CEBE5372EB}"/>
-              </a:ext>
-            </a:extLst>
-          </p:cNvPr>
-          <p:cNvSpPr>
-            <a:spLocks noGrp="1"/>
-          </p:cNvSpPr>
-          <p:nvPr>
-            <p:ph idx="1"/>
-          </p:nvPr>
-        </p:nvSpPr>
-        <p:spPr>
-          <a:xfrm>
-            <a:off x="3869268" y="2890404"/>
-            <a:ext cx="7315200" cy="3094344"/>
-          </a:xfrm>
-        </p:spPr>
-        <p:txBody>
-          <a:bodyPr anchor="t">
-            <a:normAutofit/>
-          </a:bodyPr>
-          <a:lstStyle/>
-          <a:p>
-            <a:pPr marL="0" marR="0" lvl="0" indent="0" algn="l" defTabSz="914400" rtl="0" eaLnBrk="1" fontAlgn="auto" latinLnBrk="0" hangingPunct="1">
-              <a:lnSpc>
-                <a:spcPct val="100000"/>
-              </a:lnSpc>
-              <a:spcBef>
-                <a:spcPts val="0"/>
-              </a:spcBef>
-              <a:spcAft>
-                <a:spcPts val="0"/>
-              </a:spcAft>
-              <a:buClr>
-                <a:srgbClr val="93A299"/>
-              </a:buClr>
-              <a:buSzPts val="2040"/>
-              <a:buNone/>
-              <a:tabLst/>
-              <a:defRPr/>
-            </a:pPr>
-            <a:r>
-              <a:rPr lang="en-US" sz="2400" kern="0" dirty="0">
-                <a:ea typeface="Arial"/>
-                <a:cs typeface="Arial"/>
-                <a:sym typeface="Arial"/>
-              </a:rPr>
-              <a:t>Wait…. What is data humanism?</a:t>
-            </a:r>
-          </a:p>
-        </p:txBody>
-      </p:sp>
-    </p:spTree>
-    <p:extLst>
-      <p:ext uri="{BB962C8B-B14F-4D97-AF65-F5344CB8AC3E}">
-        <p14:creationId xmlns:p14="http://schemas.microsoft.com/office/powerpoint/2010/main" val="2019008486"/>
-      </p:ext>
-    </p:extLst>
-  </p:cSld>
-  <p:clrMapOvr>
-    <a:masterClrMapping/>
-  </p:clrMapOvr>
-</p:sld>
-</file>
-
-<file path=ppt/slides/slide4.xml><?xml version="1.0" encoding="utf-8"?>
-<p:sld xmlns:a="http://schemas.openxmlformats.org/drawingml/2006/main" xmlns:r="http://schemas.openxmlformats.org/officeDocument/2006/relationships" xmlns:p="http://schemas.openxmlformats.org/presentationml/2006/main">
-  <p:cSld>
-    <p:spTree>
-      <p:nvGrpSpPr>
-        <p:cNvPr id="1" name=""/>
-        <p:cNvGrpSpPr/>
-        <p:nvPr/>
-      </p:nvGrpSpPr>
-      <p:grpSpPr>
-        <a:xfrm>
-          <a:off x="0" y="0"/>
-          <a:ext cx="0" cy="0"/>
-          <a:chOff x="0" y="0"/>
-          <a:chExt cx="0" cy="0"/>
-        </a:xfrm>
-      </p:grpSpPr>
-      <p:sp>
-        <p:nvSpPr>
-          <p:cNvPr id="2" name="Title 1">
-            <a:extLst>
-              <a:ext uri="{FF2B5EF4-FFF2-40B4-BE49-F238E27FC236}">
-                <a16:creationId xmlns:a16="http://schemas.microsoft.com/office/drawing/2014/main" id="{10D330C2-52A4-1ABA-980B-56FBC97F350C}"/>
-              </a:ext>
-            </a:extLst>
-          </p:cNvPr>
-          <p:cNvSpPr>
-            <a:spLocks noGrp="1"/>
-          </p:cNvSpPr>
-          <p:nvPr>
-            <p:ph type="title"/>
-          </p:nvPr>
-        </p:nvSpPr>
-        <p:spPr/>
-        <p:txBody>
-          <a:bodyPr/>
-          <a:lstStyle/>
-          <a:p>
-            <a:r>
-              <a:rPr lang="en-US" dirty="0"/>
-              <a:t>Exploration</a:t>
-            </a:r>
-          </a:p>
-        </p:txBody>
-      </p:sp>
-      <p:sp>
-        <p:nvSpPr>
-          <p:cNvPr id="3" name="Content Placeholder 2">
-            <a:extLst>
-              <a:ext uri="{FF2B5EF4-FFF2-40B4-BE49-F238E27FC236}">
-                <a16:creationId xmlns:a16="http://schemas.microsoft.com/office/drawing/2014/main" id="{6011E15D-4D4A-8C13-8854-3256184EC999}"/>
-              </a:ext>
-            </a:extLst>
-          </p:cNvPr>
-          <p:cNvSpPr>
-            <a:spLocks noGrp="1"/>
-          </p:cNvSpPr>
-          <p:nvPr>
-            <p:ph idx="1"/>
-          </p:nvPr>
-        </p:nvSpPr>
-        <p:spPr>
-          <a:xfrm>
-            <a:off x="3449787" y="124691"/>
-            <a:ext cx="8738680" cy="6594764"/>
-          </a:xfrm>
-        </p:spPr>
-        <p:txBody>
-          <a:bodyPr anchor="t">
-            <a:noAutofit/>
-          </a:bodyPr>
-          <a:lstStyle/>
-          <a:p>
-            <a:pPr marL="182880" marR="0" lvl="0" indent="-182880" algn="l" defTabSz="914400" rtl="0" eaLnBrk="1" fontAlgn="auto" latinLnBrk="0" hangingPunct="1">
-              <a:lnSpc>
-                <a:spcPct val="100000"/>
-              </a:lnSpc>
-              <a:spcBef>
-                <a:spcPts val="0"/>
-              </a:spcBef>
-              <a:spcAft>
-                <a:spcPts val="0"/>
-              </a:spcAft>
-              <a:buClr>
-                <a:srgbClr val="93A299"/>
-              </a:buClr>
-              <a:buSzPts val="2040"/>
-              <a:buFont typeface="Arial"/>
-              <a:buChar char="•"/>
-              <a:tabLst/>
-              <a:defRPr/>
-            </a:pPr>
-            <a:r>
-              <a:rPr lang="en-US" kern="0" dirty="0">
-                <a:ea typeface="Arial"/>
-                <a:cs typeface="Arial"/>
-                <a:sym typeface="Arial"/>
-              </a:rPr>
-              <a:t>Form groups of ~3 </a:t>
-            </a:r>
-          </a:p>
-          <a:p>
-            <a:pPr marL="182880" marR="0" lvl="0" indent="-182880" algn="l" defTabSz="914400" rtl="0" eaLnBrk="1" fontAlgn="auto" latinLnBrk="0" hangingPunct="1">
-              <a:lnSpc>
-                <a:spcPct val="100000"/>
-              </a:lnSpc>
-              <a:spcBef>
-                <a:spcPts val="0"/>
-              </a:spcBef>
-              <a:spcAft>
-                <a:spcPts val="0"/>
-              </a:spcAft>
-              <a:buClr>
-                <a:srgbClr val="93A299"/>
-              </a:buClr>
-              <a:buSzPts val="2040"/>
-              <a:buFont typeface="Arial"/>
-              <a:buChar char="•"/>
-              <a:tabLst/>
-              <a:defRPr/>
-            </a:pPr>
-            <a:r>
-              <a:rPr kumimoji="0" lang="en-US" b="0" i="0" u="none" strike="noStrike" kern="0" cap="none" spc="0" normalizeH="0" baseline="0" noProof="0" dirty="0">
-                <a:ln>
-                  <a:noFill/>
-                </a:ln>
-                <a:effectLst/>
-                <a:uLnTx/>
-                <a:uFillTx/>
-                <a:ea typeface="Arial"/>
-                <a:cs typeface="Arial"/>
-                <a:sym typeface="Arial"/>
-              </a:rPr>
-              <a:t>Each group will be assigned one of </a:t>
-            </a:r>
-            <a:r>
-              <a:rPr lang="en-US" kern="0" dirty="0">
-                <a:ea typeface="Arial"/>
-                <a:cs typeface="Arial"/>
-                <a:sym typeface="Arial"/>
-              </a:rPr>
-              <a:t>Gi</a:t>
-            </a:r>
-            <a:r>
-              <a:rPr kumimoji="0" lang="en-US" b="0" i="0" u="none" strike="noStrike" kern="0" cap="none" spc="0" normalizeH="0" baseline="0" noProof="0" dirty="0">
-                <a:ln>
-                  <a:noFill/>
-                </a:ln>
-                <a:effectLst/>
-                <a:uLnTx/>
-                <a:uFillTx/>
-                <a:ea typeface="Arial"/>
-                <a:cs typeface="Arial"/>
-                <a:sym typeface="Arial"/>
-              </a:rPr>
-              <a:t>orgia’s projects</a:t>
-            </a:r>
-          </a:p>
-          <a:p>
-            <a:pPr lvl="1">
-              <a:lnSpc>
-                <a:spcPct val="100000"/>
-              </a:lnSpc>
-              <a:spcBef>
-                <a:spcPts val="0"/>
-              </a:spcBef>
-              <a:spcAft>
-                <a:spcPts val="0"/>
-              </a:spcAft>
-              <a:buClr>
-                <a:srgbClr val="93A299"/>
-              </a:buClr>
-              <a:buSzPts val="2040"/>
-              <a:buFont typeface="Arial"/>
-              <a:buChar char="•"/>
-              <a:defRPr/>
-            </a:pPr>
-            <a:r>
-              <a:rPr lang="en-US" sz="2000" kern="0" dirty="0">
-                <a:ea typeface="Arial"/>
-                <a:cs typeface="Arial"/>
-                <a:sym typeface="Arial"/>
-              </a:rPr>
-              <a:t>1,374 days</a:t>
-            </a:r>
-          </a:p>
-          <a:p>
-            <a:pPr lvl="1">
-              <a:lnSpc>
-                <a:spcPct val="100000"/>
-              </a:lnSpc>
-              <a:spcBef>
-                <a:spcPts val="0"/>
-              </a:spcBef>
-              <a:spcAft>
-                <a:spcPts val="0"/>
-              </a:spcAft>
-              <a:buClr>
-                <a:srgbClr val="93A299"/>
-              </a:buClr>
-              <a:buSzPts val="2040"/>
-              <a:buFont typeface="Arial"/>
-              <a:buChar char="•"/>
-              <a:defRPr/>
-            </a:pPr>
-            <a:r>
-              <a:rPr kumimoji="0" lang="en-US" sz="2000" b="0" i="0" u="none" strike="noStrike" kern="0" cap="none" spc="0" normalizeH="0" baseline="0" noProof="0" dirty="0" err="1">
-                <a:ln>
-                  <a:noFill/>
-                </a:ln>
-                <a:effectLst/>
-                <a:uLnTx/>
-                <a:uFillTx/>
-                <a:ea typeface="Arial"/>
-                <a:cs typeface="Arial"/>
-                <a:sym typeface="Arial"/>
-              </a:rPr>
-              <a:t>Mindworks</a:t>
-            </a:r>
-            <a:endParaRPr kumimoji="0" lang="en-US" sz="2000" b="0" i="0" u="none" strike="noStrike" kern="0" cap="none" spc="0" normalizeH="0" baseline="0" noProof="0" dirty="0">
-              <a:ln>
-                <a:noFill/>
-              </a:ln>
-              <a:effectLst/>
-              <a:uLnTx/>
-              <a:uFillTx/>
-              <a:ea typeface="Arial"/>
-              <a:cs typeface="Arial"/>
-              <a:sym typeface="Arial"/>
-            </a:endParaRPr>
-          </a:p>
-          <a:p>
-            <a:pPr lvl="1">
-              <a:lnSpc>
-                <a:spcPct val="100000"/>
-              </a:lnSpc>
-              <a:spcBef>
-                <a:spcPts val="0"/>
-              </a:spcBef>
-              <a:spcAft>
-                <a:spcPts val="0"/>
-              </a:spcAft>
-              <a:buClr>
-                <a:srgbClr val="93A299"/>
-              </a:buClr>
-              <a:buSzPts val="2040"/>
-              <a:buFont typeface="Arial"/>
-              <a:buChar char="•"/>
-              <a:defRPr/>
-            </a:pPr>
-            <a:r>
-              <a:rPr kumimoji="0" lang="en-US" sz="2000" b="0" i="0" u="none" strike="noStrike" kern="0" cap="none" spc="0" normalizeH="0" baseline="0" noProof="0" dirty="0">
-                <a:ln>
-                  <a:noFill/>
-                </a:ln>
-                <a:effectLst/>
-                <a:uLnTx/>
-                <a:uFillTx/>
-                <a:ea typeface="Arial"/>
-                <a:cs typeface="Arial"/>
-                <a:sym typeface="Arial"/>
-              </a:rPr>
-              <a:t>What Counts</a:t>
-            </a:r>
-          </a:p>
-          <a:p>
-            <a:pPr lvl="1">
-              <a:lnSpc>
-                <a:spcPct val="100000"/>
-              </a:lnSpc>
-              <a:spcBef>
-                <a:spcPts val="0"/>
-              </a:spcBef>
-              <a:spcAft>
-                <a:spcPts val="0"/>
-              </a:spcAft>
-              <a:buClr>
-                <a:srgbClr val="93A299"/>
-              </a:buClr>
-              <a:buSzPts val="2040"/>
-              <a:buFont typeface="Arial"/>
-              <a:buChar char="•"/>
-              <a:defRPr/>
-            </a:pPr>
-            <a:r>
-              <a:rPr kumimoji="0" lang="en-US" sz="2000" b="0" i="0" u="none" strike="noStrike" kern="0" cap="none" spc="0" normalizeH="0" baseline="0" noProof="0" dirty="0">
-                <a:ln>
-                  <a:noFill/>
-                </a:ln>
-                <a:effectLst/>
-                <a:uLnTx/>
-                <a:uFillTx/>
-                <a:ea typeface="Arial"/>
-                <a:cs typeface="Arial"/>
-                <a:sym typeface="Arial"/>
-              </a:rPr>
-              <a:t>Unraveling Stories</a:t>
-            </a:r>
-          </a:p>
-          <a:p>
-            <a:pPr lvl="1">
-              <a:lnSpc>
-                <a:spcPct val="100000"/>
-              </a:lnSpc>
-              <a:spcBef>
-                <a:spcPts val="0"/>
-              </a:spcBef>
-              <a:spcAft>
-                <a:spcPts val="0"/>
-              </a:spcAft>
-              <a:buClr>
-                <a:srgbClr val="93A299"/>
-              </a:buClr>
-              <a:buSzPts val="2040"/>
-              <a:buFont typeface="Arial"/>
-              <a:buChar char="•"/>
-              <a:defRPr/>
-            </a:pPr>
-            <a:r>
-              <a:rPr lang="en-US" sz="2000" kern="0" dirty="0">
-                <a:ea typeface="Arial"/>
-                <a:cs typeface="Arial"/>
-                <a:sym typeface="Arial"/>
-              </a:rPr>
-              <a:t>Bulletin of the Atomic Scientists</a:t>
-            </a:r>
-          </a:p>
-          <a:p>
-            <a:pPr lvl="1">
-              <a:lnSpc>
-                <a:spcPct val="100000"/>
-              </a:lnSpc>
-              <a:spcBef>
-                <a:spcPts val="0"/>
-              </a:spcBef>
-              <a:spcAft>
-                <a:spcPts val="0"/>
-              </a:spcAft>
-              <a:buClr>
-                <a:srgbClr val="93A299"/>
-              </a:buClr>
-              <a:buSzPts val="2040"/>
-              <a:buFont typeface="Arial"/>
-              <a:buChar char="•"/>
-              <a:defRPr/>
-            </a:pPr>
-            <a:r>
-              <a:rPr kumimoji="0" lang="en-US" sz="2000" b="0" i="0" u="none" strike="noStrike" kern="0" cap="none" spc="0" normalizeH="0" baseline="0" noProof="0" dirty="0">
-                <a:ln>
-                  <a:noFill/>
-                </a:ln>
-                <a:effectLst/>
-                <a:uLnTx/>
-                <a:uFillTx/>
-                <a:ea typeface="Arial"/>
-                <a:cs typeface="Arial"/>
-                <a:sym typeface="Arial"/>
-              </a:rPr>
-              <a:t>The </a:t>
-            </a:r>
-            <a:r>
-              <a:rPr lang="en-US" sz="2000" kern="0" dirty="0">
-                <a:ea typeface="Arial"/>
-                <a:cs typeface="Arial"/>
-                <a:sym typeface="Arial"/>
-              </a:rPr>
-              <a:t>Room of Change</a:t>
-            </a:r>
-          </a:p>
-          <a:p>
-            <a:pPr lvl="1">
-              <a:lnSpc>
-                <a:spcPct val="100000"/>
-              </a:lnSpc>
-              <a:spcBef>
-                <a:spcPts val="0"/>
-              </a:spcBef>
-              <a:spcAft>
-                <a:spcPts val="0"/>
-              </a:spcAft>
-              <a:buClr>
-                <a:srgbClr val="93A299"/>
-              </a:buClr>
-              <a:buSzPts val="2040"/>
-              <a:buFont typeface="Arial"/>
-              <a:buChar char="•"/>
-              <a:defRPr/>
-            </a:pPr>
-            <a:r>
-              <a:rPr lang="en-US" sz="2000" kern="0" dirty="0">
-                <a:ea typeface="Arial"/>
-                <a:cs typeface="Arial"/>
-                <a:sym typeface="Arial"/>
-              </a:rPr>
-              <a:t>Bruises – The Data We Don’t See </a:t>
-            </a:r>
-          </a:p>
-          <a:p>
-            <a:pPr lvl="1">
-              <a:lnSpc>
-                <a:spcPct val="100000"/>
-              </a:lnSpc>
-              <a:spcBef>
-                <a:spcPts val="0"/>
-              </a:spcBef>
-              <a:spcAft>
-                <a:spcPts val="0"/>
-              </a:spcAft>
-              <a:buClr>
-                <a:srgbClr val="93A299"/>
-              </a:buClr>
-              <a:buSzPts val="2040"/>
-              <a:buFont typeface="Arial"/>
-              <a:buChar char="•"/>
-              <a:defRPr/>
-            </a:pPr>
-            <a:r>
-              <a:rPr kumimoji="0" lang="en-US" sz="2000" b="0" i="0" u="none" strike="noStrike" kern="0" cap="none" spc="0" normalizeH="0" baseline="0" noProof="0" dirty="0">
-                <a:ln>
-                  <a:noFill/>
-                </a:ln>
-                <a:effectLst/>
-                <a:uLnTx/>
-                <a:uFillTx/>
-                <a:ea typeface="Arial"/>
-                <a:cs typeface="Arial"/>
-                <a:sym typeface="Arial"/>
-              </a:rPr>
-              <a:t>Dear Data </a:t>
-            </a:r>
-          </a:p>
-          <a:p>
-            <a:pPr marL="182880" marR="0" lvl="0" indent="-182880" algn="l" defTabSz="914400" rtl="0" eaLnBrk="1" fontAlgn="auto" latinLnBrk="0" hangingPunct="1">
-              <a:lnSpc>
-                <a:spcPct val="100000"/>
-              </a:lnSpc>
-              <a:spcBef>
-                <a:spcPts val="0"/>
-              </a:spcBef>
-              <a:spcAft>
-                <a:spcPts val="0"/>
-              </a:spcAft>
-              <a:buClr>
-                <a:srgbClr val="93A299"/>
-              </a:buClr>
-              <a:buSzPts val="2040"/>
-              <a:buFont typeface="Arial"/>
-              <a:buChar char="•"/>
-              <a:tabLst/>
-              <a:defRPr/>
-            </a:pPr>
-            <a:r>
-              <a:rPr lang="en-US" kern="0" dirty="0">
-                <a:ea typeface="Arial"/>
-                <a:cs typeface="Arial"/>
-                <a:sym typeface="Arial"/>
-              </a:rPr>
-              <a:t>Read about the project, look at the associated visualization(s)</a:t>
-            </a:r>
-          </a:p>
-          <a:p>
-            <a:pPr marL="182880" marR="0" lvl="0" indent="-182880" algn="l" defTabSz="914400" rtl="0" eaLnBrk="1" fontAlgn="auto" latinLnBrk="0" hangingPunct="1">
-              <a:lnSpc>
-                <a:spcPct val="100000"/>
-              </a:lnSpc>
-              <a:spcBef>
-                <a:spcPts val="0"/>
-              </a:spcBef>
-              <a:spcAft>
-                <a:spcPts val="0"/>
-              </a:spcAft>
-              <a:buClr>
-                <a:srgbClr val="93A299"/>
-              </a:buClr>
-              <a:buSzPts val="2040"/>
-              <a:buFont typeface="Arial"/>
-              <a:buChar char="•"/>
-              <a:tabLst/>
-              <a:defRPr/>
-            </a:pPr>
-            <a:r>
-              <a:rPr kumimoji="0" lang="en-US" b="0" i="0" u="none" strike="noStrike" kern="0" cap="none" spc="0" normalizeH="0" baseline="0" noProof="0" dirty="0">
-                <a:ln>
-                  <a:noFill/>
-                </a:ln>
-                <a:effectLst/>
-                <a:uLnTx/>
-                <a:uFillTx/>
-                <a:ea typeface="Arial"/>
-                <a:cs typeface="Arial"/>
-                <a:sym typeface="Arial"/>
-              </a:rPr>
-              <a:t>Prepare a short (5 min) presentation to explain the project to your classmates. Your presentation must include:</a:t>
-            </a:r>
-          </a:p>
-          <a:p>
-            <a:pPr lvl="1">
-              <a:lnSpc>
-                <a:spcPct val="100000"/>
-              </a:lnSpc>
-              <a:spcBef>
-                <a:spcPts val="0"/>
-              </a:spcBef>
-              <a:spcAft>
-                <a:spcPts val="0"/>
-              </a:spcAft>
-              <a:buClr>
-                <a:srgbClr val="93A299"/>
-              </a:buClr>
-              <a:buSzPts val="2040"/>
-              <a:buFont typeface="Arial"/>
-              <a:buChar char="•"/>
-              <a:defRPr/>
-            </a:pPr>
-            <a:r>
-              <a:rPr lang="en-US" sz="2000" kern="0" dirty="0">
-                <a:ea typeface="Arial"/>
-                <a:cs typeface="Arial"/>
-                <a:sym typeface="Arial"/>
-              </a:rPr>
-              <a:t>An overview of the project. What do you think its big picture takeaway is?</a:t>
-            </a:r>
-          </a:p>
-          <a:p>
-            <a:pPr lvl="1">
-              <a:lnSpc>
-                <a:spcPct val="100000"/>
-              </a:lnSpc>
-              <a:spcBef>
-                <a:spcPts val="0"/>
-              </a:spcBef>
-              <a:spcAft>
-                <a:spcPts val="0"/>
-              </a:spcAft>
-              <a:buClr>
-                <a:srgbClr val="93A299"/>
-              </a:buClr>
-              <a:buSzPts val="2040"/>
-              <a:buFont typeface="Arial"/>
-              <a:buChar char="•"/>
-              <a:defRPr/>
-            </a:pPr>
-            <a:r>
-              <a:rPr lang="en-US" sz="2000" kern="0" dirty="0">
-                <a:ea typeface="Arial"/>
-                <a:cs typeface="Arial"/>
-                <a:sym typeface="Arial"/>
-              </a:rPr>
-              <a:t>An overview of the data included in the project</a:t>
-            </a:r>
-          </a:p>
-          <a:p>
-            <a:pPr lvl="2">
-              <a:lnSpc>
-                <a:spcPct val="100000"/>
-              </a:lnSpc>
-              <a:spcBef>
-                <a:spcPts val="0"/>
-              </a:spcBef>
-              <a:spcAft>
-                <a:spcPts val="0"/>
-              </a:spcAft>
-              <a:buClr>
-                <a:srgbClr val="93A299"/>
-              </a:buClr>
-              <a:buSzPts val="2040"/>
-              <a:buFont typeface="Arial"/>
-              <a:buChar char="•"/>
-              <a:defRPr/>
-            </a:pPr>
-            <a:r>
-              <a:rPr lang="en-US" sz="2000" kern="0" dirty="0">
-                <a:ea typeface="Arial"/>
-                <a:cs typeface="Arial"/>
-                <a:sym typeface="Arial"/>
-              </a:rPr>
-              <a:t>How was it collected? </a:t>
-            </a:r>
-          </a:p>
-          <a:p>
-            <a:pPr lvl="2">
-              <a:lnSpc>
-                <a:spcPct val="100000"/>
-              </a:lnSpc>
-              <a:spcBef>
-                <a:spcPts val="0"/>
-              </a:spcBef>
-              <a:spcAft>
-                <a:spcPts val="0"/>
-              </a:spcAft>
-              <a:buClr>
-                <a:srgbClr val="93A299"/>
-              </a:buClr>
-              <a:buSzPts val="2040"/>
-              <a:buFont typeface="Arial"/>
-              <a:buChar char="•"/>
-              <a:defRPr/>
-            </a:pPr>
-            <a:r>
-              <a:rPr lang="en-US" sz="2000" kern="0" dirty="0">
-                <a:ea typeface="Arial"/>
-                <a:cs typeface="Arial"/>
-                <a:sym typeface="Arial"/>
-              </a:rPr>
-              <a:t>What does it represent? </a:t>
-            </a:r>
-          </a:p>
-          <a:p>
-            <a:pPr lvl="1">
-              <a:lnSpc>
-                <a:spcPct val="100000"/>
-              </a:lnSpc>
-              <a:spcBef>
-                <a:spcPts val="0"/>
-              </a:spcBef>
-              <a:spcAft>
-                <a:spcPts val="0"/>
-              </a:spcAft>
-              <a:buClr>
-                <a:srgbClr val="93A299"/>
-              </a:buClr>
-              <a:buSzPts val="2040"/>
-              <a:buFont typeface="Arial"/>
-              <a:buChar char="•"/>
-              <a:defRPr/>
-            </a:pPr>
-            <a:r>
-              <a:rPr lang="en-US" sz="2000" kern="0" dirty="0">
-                <a:ea typeface="Arial"/>
-                <a:cs typeface="Arial"/>
-                <a:sym typeface="Arial"/>
-              </a:rPr>
-              <a:t>A look at the visualizations in the project</a:t>
-            </a:r>
-          </a:p>
-          <a:p>
-            <a:pPr lvl="2">
-              <a:lnSpc>
-                <a:spcPct val="100000"/>
-              </a:lnSpc>
-              <a:spcBef>
-                <a:spcPts val="0"/>
-              </a:spcBef>
-              <a:spcAft>
-                <a:spcPts val="0"/>
-              </a:spcAft>
-              <a:buClr>
-                <a:srgbClr val="93A299"/>
-              </a:buClr>
-              <a:buSzPts val="2040"/>
-              <a:buFont typeface="Arial"/>
-              <a:buChar char="•"/>
-              <a:defRPr/>
-            </a:pPr>
-            <a:r>
-              <a:rPr lang="en-US" sz="2000" kern="0" dirty="0">
-                <a:ea typeface="Arial"/>
-                <a:cs typeface="Arial"/>
-                <a:sym typeface="Arial"/>
-              </a:rPr>
-              <a:t>At least one visualization for which you id marks and channels</a:t>
-            </a:r>
-          </a:p>
-          <a:p>
-            <a:pPr lvl="1">
-              <a:lnSpc>
-                <a:spcPct val="100000"/>
-              </a:lnSpc>
-              <a:spcBef>
-                <a:spcPts val="0"/>
-              </a:spcBef>
-              <a:spcAft>
-                <a:spcPts val="0"/>
-              </a:spcAft>
-              <a:buClr>
-                <a:srgbClr val="93A299"/>
-              </a:buClr>
-              <a:buSzPts val="2040"/>
-              <a:buFont typeface="Arial"/>
-              <a:buChar char="•"/>
-              <a:defRPr/>
-            </a:pPr>
-            <a:r>
-              <a:rPr kumimoji="0" lang="en-US" sz="2000" b="0" i="0" u="none" strike="noStrike" kern="0" cap="none" spc="0" normalizeH="0" baseline="0" noProof="0" dirty="0">
-                <a:ln>
-                  <a:noFill/>
-                </a:ln>
-                <a:effectLst/>
-                <a:uLnTx/>
-                <a:uFillTx/>
-                <a:ea typeface="Arial"/>
-                <a:cs typeface="Arial"/>
-                <a:sym typeface="Arial"/>
-              </a:rPr>
-              <a:t>What do </a:t>
-            </a:r>
-            <a:r>
-              <a:rPr kumimoji="0" lang="en-US" sz="2000" b="1" i="1" u="none" strike="noStrike" kern="0" cap="none" spc="0" normalizeH="0" baseline="0" noProof="0" dirty="0">
-                <a:ln>
-                  <a:noFill/>
-                </a:ln>
-                <a:effectLst/>
-                <a:uLnTx/>
-                <a:uFillTx/>
-                <a:ea typeface="Arial"/>
-                <a:cs typeface="Arial"/>
-                <a:sym typeface="Arial"/>
-              </a:rPr>
-              <a:t>you</a:t>
-            </a:r>
-            <a:r>
-              <a:rPr kumimoji="0" lang="en-US" sz="2000" b="0" i="0" u="none" strike="noStrike" kern="0" cap="none" spc="0" normalizeH="0" baseline="0" noProof="0" dirty="0">
-                <a:ln>
-                  <a:noFill/>
-                </a:ln>
-                <a:effectLst/>
-                <a:uLnTx/>
-                <a:uFillTx/>
-                <a:ea typeface="Arial"/>
-                <a:cs typeface="Arial"/>
-                <a:sym typeface="Arial"/>
-              </a:rPr>
-              <a:t> think of the project? Any unexpected thoughts or feelings in response to </a:t>
-            </a:r>
-            <a:r>
-              <a:rPr lang="en-US" sz="2000" kern="0" dirty="0">
-                <a:ea typeface="Arial"/>
-                <a:cs typeface="Arial"/>
-                <a:sym typeface="Arial"/>
-              </a:rPr>
-              <a:t>engaging with it? What new thing did you learn? </a:t>
-            </a:r>
-            <a:r>
-              <a:rPr kumimoji="0" lang="en-US" sz="2000" b="0" i="0" u="none" strike="noStrike" kern="0" cap="none" spc="0" normalizeH="0" baseline="0" noProof="0" dirty="0">
-                <a:ln>
-                  <a:noFill/>
-                </a:ln>
-                <a:effectLst/>
-                <a:uLnTx/>
-                <a:uFillTx/>
-                <a:ea typeface="Arial"/>
-                <a:cs typeface="Arial"/>
-                <a:sym typeface="Arial"/>
-              </a:rPr>
-              <a:t> </a:t>
-            </a:r>
-          </a:p>
-        </p:txBody>
-      </p:sp>
-    </p:spTree>
-    <p:extLst>
-      <p:ext uri="{BB962C8B-B14F-4D97-AF65-F5344CB8AC3E}">
-        <p14:creationId xmlns:p14="http://schemas.microsoft.com/office/powerpoint/2010/main" val="791846166"/>
-      </p:ext>
-    </p:extLst>
-  </p:cSld>
-  <p:clrMapOvr>
-    <a:masterClrMapping/>
-  </p:clrMapOvr>
-</p:sld>
-</file>
-
-<file path=ppt/slides/slide5.xml><?xml version="1.0" encoding="utf-8"?>
-<p:sld xmlns:a="http://schemas.openxmlformats.org/drawingml/2006/main" xmlns:r="http://schemas.openxmlformats.org/officeDocument/2006/relationships" xmlns:p="http://schemas.openxmlformats.org/presentationml/2006/main">
-  <p:cSld>
-    <p:spTree>
-      <p:nvGrpSpPr>
-        <p:cNvPr id="1" name=""/>
-        <p:cNvGrpSpPr/>
-        <p:nvPr/>
-      </p:nvGrpSpPr>
-      <p:grpSpPr>
-        <a:xfrm>
-          <a:off x="0" y="0"/>
-          <a:ext cx="0" cy="0"/>
-          <a:chOff x="0" y="0"/>
-          <a:chExt cx="0" cy="0"/>
-        </a:xfrm>
-      </p:grpSpPr>
-      <p:sp>
-        <p:nvSpPr>
-          <p:cNvPr id="2" name="Title 1">
-            <a:extLst>
-              <a:ext uri="{FF2B5EF4-FFF2-40B4-BE49-F238E27FC236}">
-                <a16:creationId xmlns:a16="http://schemas.microsoft.com/office/drawing/2014/main" id="{10D330C2-52A4-1ABA-980B-56FBC97F350C}"/>
-              </a:ext>
-            </a:extLst>
-          </p:cNvPr>
-          <p:cNvSpPr>
-            <a:spLocks noGrp="1"/>
-          </p:cNvSpPr>
-          <p:nvPr>
-            <p:ph type="title"/>
-          </p:nvPr>
-        </p:nvSpPr>
-        <p:spPr/>
-        <p:txBody>
-          <a:bodyPr/>
-          <a:lstStyle/>
-          <a:p>
-            <a:r>
-              <a:rPr lang="en-US" dirty="0"/>
-              <a:t>Discussion</a:t>
-            </a:r>
-          </a:p>
-        </p:txBody>
-      </p:sp>
-      <p:sp>
-        <p:nvSpPr>
-          <p:cNvPr id="3" name="Content Placeholder 2">
-            <a:extLst>
-              <a:ext uri="{FF2B5EF4-FFF2-40B4-BE49-F238E27FC236}">
-                <a16:creationId xmlns:a16="http://schemas.microsoft.com/office/drawing/2014/main" id="{6011E15D-4D4A-8C13-8854-3256184EC999}"/>
-              </a:ext>
-            </a:extLst>
-          </p:cNvPr>
-          <p:cNvSpPr>
-            <a:spLocks noGrp="1"/>
-          </p:cNvSpPr>
-          <p:nvPr>
-            <p:ph idx="1"/>
-          </p:nvPr>
-        </p:nvSpPr>
-        <p:spPr>
-          <a:xfrm>
-            <a:off x="3869268" y="864108"/>
-            <a:ext cx="7315200" cy="5120640"/>
-          </a:xfrm>
-        </p:spPr>
-        <p:txBody>
-          <a:bodyPr anchor="t">
-            <a:normAutofit/>
-          </a:bodyPr>
-          <a:lstStyle/>
-          <a:p>
-            <a:pPr marL="182880" marR="0" lvl="0" indent="-182880" algn="l" defTabSz="914400" rtl="0" eaLnBrk="1" fontAlgn="auto" latinLnBrk="0" hangingPunct="1">
-              <a:lnSpc>
-                <a:spcPct val="100000"/>
-              </a:lnSpc>
-              <a:spcBef>
-                <a:spcPts val="0"/>
-              </a:spcBef>
-              <a:spcAft>
-                <a:spcPts val="0"/>
-              </a:spcAft>
-              <a:buClr>
-                <a:srgbClr val="93A299"/>
-              </a:buClr>
-              <a:buSzPts val="2040"/>
-              <a:buFont typeface="Arial"/>
-              <a:buChar char="•"/>
-              <a:tabLst/>
-              <a:defRPr/>
-            </a:pPr>
-            <a:endParaRPr lang="en-US" sz="2400" kern="0" dirty="0">
-              <a:ea typeface="Arial"/>
-              <a:cs typeface="Arial"/>
-              <a:sym typeface="Arial"/>
-            </a:endParaRPr>
-          </a:p>
-          <a:p>
-            <a:pPr marL="182880" marR="0" lvl="0" indent="-182880" algn="l" defTabSz="914400" rtl="0" eaLnBrk="1" fontAlgn="auto" latinLnBrk="0" hangingPunct="1">
-              <a:lnSpc>
-                <a:spcPct val="100000"/>
-              </a:lnSpc>
-              <a:spcBef>
-                <a:spcPts val="0"/>
-              </a:spcBef>
-              <a:spcAft>
-                <a:spcPts val="0"/>
-              </a:spcAft>
-              <a:buClr>
-                <a:srgbClr val="93A299"/>
-              </a:buClr>
-              <a:buSzPts val="2040"/>
-              <a:buFont typeface="Arial"/>
-              <a:buChar char="•"/>
-              <a:tabLst/>
-              <a:defRPr/>
-            </a:pPr>
-            <a:endParaRPr lang="en-US" sz="2400" kern="0" dirty="0">
-              <a:ea typeface="Arial"/>
-              <a:cs typeface="Arial"/>
-              <a:sym typeface="Arial"/>
-            </a:endParaRPr>
-          </a:p>
-          <a:p>
-            <a:pPr marL="182880" marR="0" lvl="0" indent="-182880" algn="l" defTabSz="914400" rtl="0" eaLnBrk="1" fontAlgn="auto" latinLnBrk="0" hangingPunct="1">
-              <a:lnSpc>
-                <a:spcPct val="100000"/>
-              </a:lnSpc>
-              <a:spcBef>
-                <a:spcPts val="0"/>
-              </a:spcBef>
-              <a:spcAft>
-                <a:spcPts val="0"/>
-              </a:spcAft>
-              <a:buClr>
-                <a:srgbClr val="93A299"/>
-              </a:buClr>
-              <a:buSzPts val="2040"/>
-              <a:buFont typeface="Arial"/>
-              <a:buChar char="•"/>
-              <a:tabLst/>
-              <a:defRPr/>
-            </a:pPr>
-            <a:endParaRPr lang="en-US" sz="2400" kern="0" dirty="0">
-              <a:ea typeface="Arial"/>
-              <a:cs typeface="Arial"/>
-              <a:sym typeface="Arial"/>
-            </a:endParaRPr>
-          </a:p>
-          <a:p>
-            <a:pPr marL="182880" marR="0" lvl="0" indent="-182880" algn="l" defTabSz="914400" rtl="0" eaLnBrk="1" fontAlgn="auto" latinLnBrk="0" hangingPunct="1">
-              <a:lnSpc>
-                <a:spcPct val="100000"/>
-              </a:lnSpc>
-              <a:spcBef>
-                <a:spcPts val="0"/>
-              </a:spcBef>
-              <a:spcAft>
-                <a:spcPts val="0"/>
-              </a:spcAft>
-              <a:buClr>
-                <a:srgbClr val="93A299"/>
-              </a:buClr>
-              <a:buSzPts val="2040"/>
-              <a:buFont typeface="Arial"/>
-              <a:buChar char="•"/>
-              <a:tabLst/>
-              <a:defRPr/>
-            </a:pPr>
-            <a:endParaRPr lang="en-US" sz="2400" kern="0" dirty="0">
-              <a:ea typeface="Arial"/>
-              <a:cs typeface="Arial"/>
-              <a:sym typeface="Arial"/>
-            </a:endParaRPr>
-          </a:p>
-          <a:p>
-            <a:pPr marL="182880" marR="0" lvl="0" indent="-182880" algn="l" defTabSz="914400" rtl="0" eaLnBrk="1" fontAlgn="auto" latinLnBrk="0" hangingPunct="1">
-              <a:lnSpc>
-                <a:spcPct val="100000"/>
-              </a:lnSpc>
-              <a:spcBef>
-                <a:spcPts val="0"/>
-              </a:spcBef>
-              <a:spcAft>
-                <a:spcPts val="0"/>
-              </a:spcAft>
-              <a:buClr>
-                <a:srgbClr val="93A299"/>
-              </a:buClr>
-              <a:buSzPts val="2040"/>
-              <a:buFont typeface="Arial"/>
-              <a:buChar char="•"/>
-              <a:tabLst/>
-              <a:defRPr/>
-            </a:pPr>
-            <a:endParaRPr lang="en-US" sz="2400" kern="0" dirty="0">
-              <a:ea typeface="Arial"/>
-              <a:cs typeface="Arial"/>
-              <a:sym typeface="Arial"/>
-            </a:endParaRPr>
-          </a:p>
-          <a:p>
-            <a:pPr marL="182880" marR="0" lvl="0" indent="-182880" algn="l" defTabSz="914400" rtl="0" eaLnBrk="1" fontAlgn="auto" latinLnBrk="0" hangingPunct="1">
-              <a:lnSpc>
-                <a:spcPct val="100000"/>
-              </a:lnSpc>
-              <a:spcBef>
-                <a:spcPts val="0"/>
-              </a:spcBef>
-              <a:spcAft>
-                <a:spcPts val="0"/>
-              </a:spcAft>
-              <a:buClr>
-                <a:srgbClr val="93A299"/>
-              </a:buClr>
-              <a:buSzPts val="2040"/>
-              <a:buFont typeface="Arial"/>
-              <a:buChar char="•"/>
-              <a:tabLst/>
-              <a:defRPr/>
-            </a:pPr>
-            <a:endParaRPr lang="en-US" sz="2400" kern="0" dirty="0">
-              <a:ea typeface="Arial"/>
-              <a:cs typeface="Arial"/>
-              <a:sym typeface="Arial"/>
-            </a:endParaRPr>
-          </a:p>
-          <a:p>
-            <a:pPr marL="0" marR="0" lvl="0" indent="0" algn="l" defTabSz="914400" rtl="0" eaLnBrk="1" fontAlgn="auto" latinLnBrk="0" hangingPunct="1">
-              <a:lnSpc>
-                <a:spcPct val="100000"/>
-              </a:lnSpc>
-              <a:spcBef>
-                <a:spcPts val="0"/>
-              </a:spcBef>
-              <a:spcAft>
-                <a:spcPts val="0"/>
-              </a:spcAft>
-              <a:buClr>
-                <a:srgbClr val="93A299"/>
-              </a:buClr>
-              <a:buSzPts val="2040"/>
-              <a:buNone/>
-              <a:tabLst/>
-              <a:defRPr/>
-            </a:pPr>
-            <a:r>
-              <a:rPr lang="en-US" sz="2400" kern="0" dirty="0">
-                <a:ea typeface="Arial"/>
-                <a:cs typeface="Arial"/>
-                <a:sym typeface="Arial"/>
-              </a:rPr>
-              <a:t>Okay, now who has a hypothesis about what data humanism is?</a:t>
-            </a:r>
-          </a:p>
-        </p:txBody>
-      </p:sp>
-    </p:spTree>
-    <p:extLst>
-      <p:ext uri="{BB962C8B-B14F-4D97-AF65-F5344CB8AC3E}">
-        <p14:creationId xmlns:p14="http://schemas.microsoft.com/office/powerpoint/2010/main" val="89243817"/>
-      </p:ext>
-    </p:extLst>
-  </p:cSld>
-  <p:clrMapOvr>
-    <a:masterClrMapping/>
-  </p:clrMapOvr>
-</p:sld>
-</file>
-
-<file path=ppt/slides/slide6.xml><?xml version="1.0" encoding="utf-8"?>
-<p:sld xmlns:a="http://schemas.openxmlformats.org/drawingml/2006/main" xmlns:r="http://schemas.openxmlformats.org/officeDocument/2006/relationships" xmlns:p="http://schemas.openxmlformats.org/presentationml/2006/main">
-  <p:cSld>
-    <p:spTree>
-      <p:nvGrpSpPr>
-        <p:cNvPr id="1" name=""/>
-        <p:cNvGrpSpPr/>
-        <p:nvPr/>
-      </p:nvGrpSpPr>
-      <p:grpSpPr>
-        <a:xfrm>
-          <a:off x="0" y="0"/>
-          <a:ext cx="0" cy="0"/>
-          <a:chOff x="0" y="0"/>
-          <a:chExt cx="0" cy="0"/>
-        </a:xfrm>
-      </p:grpSpPr>
-      <p:sp>
-        <p:nvSpPr>
-          <p:cNvPr id="2" name="Title 1">
-            <a:extLst>
-              <a:ext uri="{FF2B5EF4-FFF2-40B4-BE49-F238E27FC236}">
-                <a16:creationId xmlns:a16="http://schemas.microsoft.com/office/drawing/2014/main" id="{10D330C2-52A4-1ABA-980B-56FBC97F350C}"/>
-              </a:ext>
-            </a:extLst>
-          </p:cNvPr>
-          <p:cNvSpPr>
-            <a:spLocks noGrp="1"/>
-          </p:cNvSpPr>
-          <p:nvPr>
-            <p:ph type="title"/>
-          </p:nvPr>
-        </p:nvSpPr>
-        <p:spPr/>
-        <p:txBody>
-          <a:bodyPr/>
-          <a:lstStyle/>
-          <a:p>
-            <a:r>
-              <a:rPr lang="en-US" dirty="0" err="1"/>
-              <a:t>Giorgia</a:t>
-            </a:r>
-            <a:r>
-              <a:rPr lang="en-US" dirty="0"/>
-              <a:t> </a:t>
-            </a:r>
-            <a:r>
-              <a:rPr lang="en-US" dirty="0" err="1"/>
-              <a:t>Lupi</a:t>
-            </a:r>
-            <a:endParaRPr lang="en-US" dirty="0"/>
-          </a:p>
-        </p:txBody>
-      </p:sp>
-      <p:pic>
-        <p:nvPicPr>
-          <p:cNvPr id="2050" name="Picture 2" descr="Data Humanism - A Visual Manifesto">
-            <a:extLst>
-              <a:ext uri="{FF2B5EF4-FFF2-40B4-BE49-F238E27FC236}">
-                <a16:creationId xmlns:a16="http://schemas.microsoft.com/office/drawing/2014/main" id="{4D8B36E8-B147-CC75-05BB-75A78D05044A}"/>
-              </a:ext>
-            </a:extLst>
-          </p:cNvPr>
-          <p:cNvPicPr>
-            <a:picLocks noChangeAspect="1" noChangeArrowheads="1"/>
-          </p:cNvPicPr>
-          <p:nvPr/>
-        </p:nvPicPr>
-        <p:blipFill rotWithShape="1">
-          <a:blip r:embed="rId3">
-            <a:extLst>
-              <a:ext uri="{28A0092B-C50C-407E-A947-70E740481C1C}">
-                <a14:useLocalDpi xmlns:a14="http://schemas.microsoft.com/office/drawing/2010/main" val="0"/>
-              </a:ext>
-            </a:extLst>
-          </a:blip>
-          <a:srcRect l="17954" r="10909"/>
-          <a:stretch/>
-        </p:blipFill>
-        <p:spPr bwMode="auto">
-          <a:xfrm>
-            <a:off x="5113475" y="748146"/>
-            <a:ext cx="7078525" cy="5597236"/>
-          </a:xfrm>
-          <a:prstGeom prst="rect">
-            <a:avLst/>
-          </a:prstGeom>
-          <a:noFill/>
-          <a:extLst>
-            <a:ext uri="{909E8E84-426E-40DD-AFC4-6F175D3DCCD1}">
-              <a14:hiddenFill xmlns:a14="http://schemas.microsoft.com/office/drawing/2010/main">
-                <a:solidFill>
-                  <a:srgbClr val="FFFFFF"/>
-                </a:solidFill>
-              </a14:hiddenFill>
-            </a:ext>
-          </a:extLst>
-        </p:spPr>
-      </p:pic>
-      <p:pic>
-        <p:nvPicPr>
-          <p:cNvPr id="1026" name="Picture 2" descr="Giorgia Lupi">
-            <a:extLst>
-              <a:ext uri="{FF2B5EF4-FFF2-40B4-BE49-F238E27FC236}">
-                <a16:creationId xmlns:a16="http://schemas.microsoft.com/office/drawing/2014/main" id="{63727CE9-3818-C920-D49C-D6F388E5C86F}"/>
-              </a:ext>
-            </a:extLst>
-          </p:cNvPr>
-          <p:cNvPicPr>
-            <a:picLocks noChangeAspect="1" noChangeArrowheads="1"/>
-          </p:cNvPicPr>
-          <p:nvPr/>
-        </p:nvPicPr>
-        <p:blipFill>
-          <a:blip r:embed="rId4">
-            <a:extLst>
-              <a:ext uri="{28A0092B-C50C-407E-A947-70E740481C1C}">
-                <a14:useLocalDpi xmlns:a14="http://schemas.microsoft.com/office/drawing/2010/main" val="0"/>
-              </a:ext>
-            </a:extLst>
-          </a:blip>
-          <a:srcRect/>
-          <a:stretch>
-            <a:fillRect/>
-          </a:stretch>
-        </p:blipFill>
-        <p:spPr bwMode="auto">
-          <a:xfrm>
-            <a:off x="3538104" y="199160"/>
-            <a:ext cx="2142258" cy="2142258"/>
-          </a:xfrm>
-          <a:prstGeom prst="rect">
-            <a:avLst/>
-          </a:prstGeom>
-          <a:noFill/>
-          <a:extLst>
-            <a:ext uri="{909E8E84-426E-40DD-AFC4-6F175D3DCCD1}">
-              <a14:hiddenFill xmlns:a14="http://schemas.microsoft.com/office/drawing/2010/main">
-                <a:solidFill>
-                  <a:srgbClr val="FFFFFF"/>
-                </a:solidFill>
-              </a14:hiddenFill>
-            </a:ext>
-          </a:extLst>
-        </p:spPr>
-      </p:pic>
-    </p:spTree>
-    <p:extLst>
-      <p:ext uri="{BB962C8B-B14F-4D97-AF65-F5344CB8AC3E}">
-        <p14:creationId xmlns:p14="http://schemas.microsoft.com/office/powerpoint/2010/main" val="1544512289"/>
-      </p:ext>
-    </p:extLst>
-  </p:cSld>
-  <p:clrMapOvr>
-    <a:masterClrMapping/>
-  </p:clrMapOvr>
-</p:sld>
-</file>
-
-<file path=ppt/slides/slide7.xml><?xml version="1.0" encoding="utf-8"?>
-<p:sld xmlns:a="http://schemas.openxmlformats.org/drawingml/2006/main" xmlns:r="http://schemas.openxmlformats.org/officeDocument/2006/relationships" xmlns:p="http://schemas.openxmlformats.org/presentationml/2006/main">
-  <p:cSld>
-    <p:spTree>
-      <p:nvGrpSpPr>
-        <p:cNvPr id="1" name=""/>
-        <p:cNvGrpSpPr/>
-        <p:nvPr/>
-      </p:nvGrpSpPr>
-      <p:grpSpPr>
-        <a:xfrm>
-          <a:off x="0" y="0"/>
-          <a:ext cx="0" cy="0"/>
-          <a:chOff x="0" y="0"/>
-          <a:chExt cx="0" cy="0"/>
-        </a:xfrm>
-      </p:grpSpPr>
-      <p:sp>
-        <p:nvSpPr>
-          <p:cNvPr id="2" name="Title 1">
-            <a:extLst>
-              <a:ext uri="{FF2B5EF4-FFF2-40B4-BE49-F238E27FC236}">
-                <a16:creationId xmlns:a16="http://schemas.microsoft.com/office/drawing/2014/main" id="{10D330C2-52A4-1ABA-980B-56FBC97F350C}"/>
-              </a:ext>
-            </a:extLst>
-          </p:cNvPr>
-          <p:cNvSpPr>
-            <a:spLocks noGrp="1"/>
-          </p:cNvSpPr>
-          <p:nvPr>
-            <p:ph type="title"/>
-          </p:nvPr>
-        </p:nvSpPr>
-        <p:spPr/>
-        <p:txBody>
-          <a:bodyPr/>
-          <a:lstStyle/>
-          <a:p>
-            <a:r>
-              <a:rPr lang="en-US" dirty="0"/>
-              <a:t>Data Humanism: Embrace Complexity </a:t>
-            </a:r>
-          </a:p>
-        </p:txBody>
-      </p:sp>
-      <p:pic>
-        <p:nvPicPr>
-          <p:cNvPr id="3" name="Picture 2" descr="Accurat for Corriere Della Sera. Series of exploratory, dense, data-driven narratives published in La Lettura, the Sunday cultural supplement, 2013.">
-            <a:extLst>
-              <a:ext uri="{FF2B5EF4-FFF2-40B4-BE49-F238E27FC236}">
-                <a16:creationId xmlns:a16="http://schemas.microsoft.com/office/drawing/2014/main" id="{5AD4E9A1-1408-268E-BD5D-07D8397FE96B}"/>
-              </a:ext>
-            </a:extLst>
-          </p:cNvPr>
-          <p:cNvPicPr>
-            <a:picLocks noChangeAspect="1" noChangeArrowheads="1"/>
-          </p:cNvPicPr>
-          <p:nvPr/>
-        </p:nvPicPr>
-        <p:blipFill>
-          <a:blip r:embed="rId3">
-            <a:extLst>
-              <a:ext uri="{28A0092B-C50C-407E-A947-70E740481C1C}">
-                <a14:useLocalDpi xmlns:a14="http://schemas.microsoft.com/office/drawing/2010/main" val="0"/>
-              </a:ext>
-            </a:extLst>
-          </a:blip>
-          <a:srcRect/>
-          <a:stretch>
-            <a:fillRect/>
-          </a:stretch>
-        </p:blipFill>
-        <p:spPr bwMode="auto">
-          <a:xfrm>
-            <a:off x="3104232" y="736975"/>
-            <a:ext cx="9087768" cy="5729591"/>
-          </a:xfrm>
-          <a:prstGeom prst="rect">
-            <a:avLst/>
-          </a:prstGeom>
-          <a:noFill/>
-          <a:extLst>
-            <a:ext uri="{909E8E84-426E-40DD-AFC4-6F175D3DCCD1}">
-              <a14:hiddenFill xmlns:a14="http://schemas.microsoft.com/office/drawing/2010/main">
-                <a:solidFill>
-                  <a:srgbClr val="FFFFFF"/>
-                </a:solidFill>
-              </a14:hiddenFill>
-            </a:ext>
-          </a:extLst>
-        </p:spPr>
-      </p:pic>
-    </p:spTree>
-    <p:extLst>
-      <p:ext uri="{BB962C8B-B14F-4D97-AF65-F5344CB8AC3E}">
-        <p14:creationId xmlns:p14="http://schemas.microsoft.com/office/powerpoint/2010/main" val="3368379139"/>
-      </p:ext>
-    </p:extLst>
-  </p:cSld>
-  <p:clrMapOvr>
-    <a:masterClrMapping/>
-  </p:clrMapOvr>
-</p:sld>
-</file>
-
-<file path=ppt/slides/slide8.xml><?xml version="1.0" encoding="utf-8"?>
-<p:sld xmlns:a="http://schemas.openxmlformats.org/drawingml/2006/main" xmlns:r="http://schemas.openxmlformats.org/officeDocument/2006/relationships" xmlns:p="http://schemas.openxmlformats.org/presentationml/2006/main">
-  <p:cSld>
-    <p:spTree>
-      <p:nvGrpSpPr>
-        <p:cNvPr id="1" name=""/>
-        <p:cNvGrpSpPr/>
-        <p:nvPr/>
-      </p:nvGrpSpPr>
-      <p:grpSpPr>
-        <a:xfrm>
-          <a:off x="0" y="0"/>
-          <a:ext cx="0" cy="0"/>
-          <a:chOff x="0" y="0"/>
-          <a:chExt cx="0" cy="0"/>
-        </a:xfrm>
-      </p:grpSpPr>
-      <p:sp>
-        <p:nvSpPr>
-          <p:cNvPr id="2" name="Title 1">
-            <a:extLst>
-              <a:ext uri="{FF2B5EF4-FFF2-40B4-BE49-F238E27FC236}">
-                <a16:creationId xmlns:a16="http://schemas.microsoft.com/office/drawing/2014/main" id="{10D330C2-52A4-1ABA-980B-56FBC97F350C}"/>
-              </a:ext>
-            </a:extLst>
-          </p:cNvPr>
-          <p:cNvSpPr>
-            <a:spLocks noGrp="1"/>
-          </p:cNvSpPr>
-          <p:nvPr>
-            <p:ph type="title"/>
-          </p:nvPr>
-        </p:nvSpPr>
-        <p:spPr/>
-        <p:txBody>
-          <a:bodyPr/>
-          <a:lstStyle/>
-          <a:p>
-            <a:r>
-              <a:rPr lang="en-US" dirty="0"/>
-              <a:t>Data Humanism: Move Beyond Standards</a:t>
-            </a:r>
-          </a:p>
-        </p:txBody>
-      </p:sp>
-      <p:pic>
-        <p:nvPicPr>
-          <p:cNvPr id="2050" name="Picture 2" descr="Accurat for Corriere Della Sera. “Nobels, no degrees”- Exploratory Sketch, 2013">
-            <a:extLst>
-              <a:ext uri="{FF2B5EF4-FFF2-40B4-BE49-F238E27FC236}">
-                <a16:creationId xmlns:a16="http://schemas.microsoft.com/office/drawing/2014/main" id="{C7C54E44-A2B4-6BCA-E77E-9E4B61BC57CF}"/>
-              </a:ext>
-            </a:extLst>
-          </p:cNvPr>
-          <p:cNvPicPr>
-            <a:picLocks noChangeAspect="1" noChangeArrowheads="1"/>
-          </p:cNvPicPr>
-          <p:nvPr/>
-        </p:nvPicPr>
-        <p:blipFill rotWithShape="1">
-          <a:blip r:embed="rId3">
-            <a:extLst>
-              <a:ext uri="{28A0092B-C50C-407E-A947-70E740481C1C}">
-                <a14:useLocalDpi xmlns:a14="http://schemas.microsoft.com/office/drawing/2010/main" val="0"/>
-              </a:ext>
-            </a:extLst>
-          </a:blip>
-          <a:srcRect l="26250" r="9270"/>
-          <a:stretch/>
-        </p:blipFill>
-        <p:spPr bwMode="auto">
-          <a:xfrm>
-            <a:off x="3505201" y="512762"/>
-            <a:ext cx="7861300" cy="5832475"/>
-          </a:xfrm>
-          <a:prstGeom prst="rect">
-            <a:avLst/>
-          </a:prstGeom>
-          <a:noFill/>
-          <a:extLst>
-            <a:ext uri="{909E8E84-426E-40DD-AFC4-6F175D3DCCD1}">
-              <a14:hiddenFill xmlns:a14="http://schemas.microsoft.com/office/drawing/2010/main">
-                <a:solidFill>
-                  <a:srgbClr val="FFFFFF"/>
-                </a:solidFill>
-              </a14:hiddenFill>
-            </a:ext>
-          </a:extLst>
-        </p:spPr>
-      </p:pic>
-    </p:spTree>
-    <p:extLst>
-      <p:ext uri="{BB962C8B-B14F-4D97-AF65-F5344CB8AC3E}">
-        <p14:creationId xmlns:p14="http://schemas.microsoft.com/office/powerpoint/2010/main" val="3530954380"/>
-      </p:ext>
-    </p:extLst>
-  </p:cSld>
-  <p:clrMapOvr>
-    <a:masterClrMapping/>
-  </p:clrMapOvr>
-</p:sld>
-</file>
-
-<file path=ppt/slides/slide9.xml><?xml version="1.0" encoding="utf-8"?>
-<p:sld xmlns:a="http://schemas.openxmlformats.org/drawingml/2006/main" xmlns:r="http://schemas.openxmlformats.org/officeDocument/2006/relationships" xmlns:p="http://schemas.openxmlformats.org/presentationml/2006/main">
-  <p:cSld>
-    <p:spTree>
-      <p:nvGrpSpPr>
-        <p:cNvPr id="1" name=""/>
-        <p:cNvGrpSpPr/>
-        <p:nvPr/>
-      </p:nvGrpSpPr>
-      <p:grpSpPr>
-        <a:xfrm>
-          <a:off x="0" y="0"/>
-          <a:ext cx="0" cy="0"/>
-          <a:chOff x="0" y="0"/>
-          <a:chExt cx="0" cy="0"/>
-        </a:xfrm>
-      </p:grpSpPr>
-      <p:sp>
-        <p:nvSpPr>
-          <p:cNvPr id="2" name="Title 1">
-            <a:extLst>
-              <a:ext uri="{FF2B5EF4-FFF2-40B4-BE49-F238E27FC236}">
-                <a16:creationId xmlns:a16="http://schemas.microsoft.com/office/drawing/2014/main" id="{10D330C2-52A4-1ABA-980B-56FBC97F350C}"/>
-              </a:ext>
-            </a:extLst>
-          </p:cNvPr>
-          <p:cNvSpPr>
-            <a:spLocks noGrp="1"/>
-          </p:cNvSpPr>
-          <p:nvPr>
-            <p:ph type="title"/>
-          </p:nvPr>
-        </p:nvSpPr>
-        <p:spPr/>
-        <p:txBody>
-          <a:bodyPr/>
-          <a:lstStyle/>
-          <a:p>
-            <a:r>
-              <a:rPr lang="en-US" dirty="0"/>
               <a:t>Data Humanism: Sneak Context In (Always)</a:t>
             </a:r>
           </a:p>
@@ -7600,6 +5423,2545 @@
       </p:par>
     </p:tnLst>
   </p:timing>
+</p:sld>
+</file>
+
+<file path=ppt/slides/slide11.xml><?xml version="1.0" encoding="utf-8"?>
+<p:sld xmlns:a="http://schemas.openxmlformats.org/drawingml/2006/main" xmlns:r="http://schemas.openxmlformats.org/officeDocument/2006/relationships" xmlns:p="http://schemas.openxmlformats.org/presentationml/2006/main">
+  <p:cSld>
+    <p:spTree>
+      <p:nvGrpSpPr>
+        <p:cNvPr id="1" name=""/>
+        <p:cNvGrpSpPr/>
+        <p:nvPr/>
+      </p:nvGrpSpPr>
+      <p:grpSpPr>
+        <a:xfrm>
+          <a:off x="0" y="0"/>
+          <a:ext cx="0" cy="0"/>
+          <a:chOff x="0" y="0"/>
+          <a:chExt cx="0" cy="0"/>
+        </a:xfrm>
+      </p:grpSpPr>
+      <p:sp>
+        <p:nvSpPr>
+          <p:cNvPr id="2" name="Title 1">
+            <a:extLst>
+              <a:ext uri="{FF2B5EF4-FFF2-40B4-BE49-F238E27FC236}">
+                <a16:creationId xmlns:a16="http://schemas.microsoft.com/office/drawing/2014/main" id="{10D330C2-52A4-1ABA-980B-56FBC97F350C}"/>
+              </a:ext>
+            </a:extLst>
+          </p:cNvPr>
+          <p:cNvSpPr>
+            <a:spLocks noGrp="1"/>
+          </p:cNvSpPr>
+          <p:nvPr>
+            <p:ph type="title"/>
+          </p:nvPr>
+        </p:nvSpPr>
+        <p:spPr/>
+        <p:txBody>
+          <a:bodyPr/>
+          <a:lstStyle/>
+          <a:p>
+            <a:r>
+              <a:rPr lang="en-US" dirty="0"/>
+              <a:t>Data Humanism: Remember That Data is Imperfect</a:t>
+            </a:r>
+          </a:p>
+        </p:txBody>
+      </p:sp>
+      <p:pic>
+        <p:nvPicPr>
+          <p:cNvPr id="4098" name="Picture 2">
+            <a:extLst>
+              <a:ext uri="{FF2B5EF4-FFF2-40B4-BE49-F238E27FC236}">
+                <a16:creationId xmlns:a16="http://schemas.microsoft.com/office/drawing/2014/main" id="{CEFEB4CA-4F9D-97E5-E5CF-54C1FC76D829}"/>
+              </a:ext>
+            </a:extLst>
+          </p:cNvPr>
+          <p:cNvPicPr>
+            <a:picLocks noChangeAspect="1" noChangeArrowheads="1"/>
+          </p:cNvPicPr>
+          <p:nvPr/>
+        </p:nvPicPr>
+        <p:blipFill>
+          <a:blip r:embed="rId3">
+            <a:extLst>
+              <a:ext uri="{28A0092B-C50C-407E-A947-70E740481C1C}">
+                <a14:useLocalDpi xmlns:a14="http://schemas.microsoft.com/office/drawing/2010/main" val="0"/>
+              </a:ext>
+            </a:extLst>
+          </a:blip>
+          <a:srcRect/>
+          <a:stretch>
+            <a:fillRect/>
+          </a:stretch>
+        </p:blipFill>
+        <p:spPr bwMode="auto">
+          <a:xfrm>
+            <a:off x="3564011" y="806450"/>
+            <a:ext cx="8007277" cy="5245100"/>
+          </a:xfrm>
+          <a:prstGeom prst="rect">
+            <a:avLst/>
+          </a:prstGeom>
+          <a:noFill/>
+          <a:extLst>
+            <a:ext uri="{909E8E84-426E-40DD-AFC4-6F175D3DCCD1}">
+              <a14:hiddenFill xmlns:a14="http://schemas.microsoft.com/office/drawing/2010/main">
+                <a:solidFill>
+                  <a:srgbClr val="FFFFFF"/>
+                </a:solidFill>
+              </a14:hiddenFill>
+            </a:ext>
+          </a:extLst>
+        </p:spPr>
+      </p:pic>
+    </p:spTree>
+    <p:extLst>
+      <p:ext uri="{BB962C8B-B14F-4D97-AF65-F5344CB8AC3E}">
+        <p14:creationId xmlns:p14="http://schemas.microsoft.com/office/powerpoint/2010/main" val="4232819281"/>
+      </p:ext>
+    </p:extLst>
+  </p:cSld>
+  <p:clrMapOvr>
+    <a:masterClrMapping/>
+  </p:clrMapOvr>
+</p:sld>
+</file>
+
+<file path=ppt/slides/slide12.xml><?xml version="1.0" encoding="utf-8"?>
+<p:sld xmlns:a="http://schemas.openxmlformats.org/drawingml/2006/main" xmlns:r="http://schemas.openxmlformats.org/officeDocument/2006/relationships" xmlns:p="http://schemas.openxmlformats.org/presentationml/2006/main">
+  <p:cSld>
+    <p:spTree>
+      <p:nvGrpSpPr>
+        <p:cNvPr id="1" name=""/>
+        <p:cNvGrpSpPr/>
+        <p:nvPr/>
+      </p:nvGrpSpPr>
+      <p:grpSpPr>
+        <a:xfrm>
+          <a:off x="0" y="0"/>
+          <a:ext cx="0" cy="0"/>
+          <a:chOff x="0" y="0"/>
+          <a:chExt cx="0" cy="0"/>
+        </a:xfrm>
+      </p:grpSpPr>
+      <p:sp>
+        <p:nvSpPr>
+          <p:cNvPr id="2" name="Title 1">
+            <a:extLst>
+              <a:ext uri="{FF2B5EF4-FFF2-40B4-BE49-F238E27FC236}">
+                <a16:creationId xmlns:a16="http://schemas.microsoft.com/office/drawing/2014/main" id="{10D330C2-52A4-1ABA-980B-56FBC97F350C}"/>
+              </a:ext>
+            </a:extLst>
+          </p:cNvPr>
+          <p:cNvSpPr>
+            <a:spLocks noGrp="1"/>
+          </p:cNvSpPr>
+          <p:nvPr>
+            <p:ph type="title"/>
+          </p:nvPr>
+        </p:nvSpPr>
+        <p:spPr/>
+        <p:txBody>
+          <a:bodyPr/>
+          <a:lstStyle/>
+          <a:p>
+            <a:r>
+              <a:rPr lang="en-US" dirty="0"/>
+              <a:t>Discussion</a:t>
+            </a:r>
+          </a:p>
+        </p:txBody>
+      </p:sp>
+      <p:sp>
+        <p:nvSpPr>
+          <p:cNvPr id="3" name="Content Placeholder 2">
+            <a:extLst>
+              <a:ext uri="{FF2B5EF4-FFF2-40B4-BE49-F238E27FC236}">
+                <a16:creationId xmlns:a16="http://schemas.microsoft.com/office/drawing/2014/main" id="{64674868-2866-029E-AAD9-83BCC8B8718E}"/>
+              </a:ext>
+            </a:extLst>
+          </p:cNvPr>
+          <p:cNvSpPr>
+            <a:spLocks noGrp="1"/>
+          </p:cNvSpPr>
+          <p:nvPr>
+            <p:ph idx="1"/>
+          </p:nvPr>
+        </p:nvSpPr>
+        <p:spPr>
+          <a:xfrm>
+            <a:off x="3869268" y="864108"/>
+            <a:ext cx="7315200" cy="5120640"/>
+          </a:xfrm>
+        </p:spPr>
+        <p:txBody>
+          <a:bodyPr anchor="t">
+            <a:normAutofit/>
+          </a:bodyPr>
+          <a:lstStyle/>
+          <a:p>
+            <a:pPr marL="182880" marR="0" lvl="0" indent="-182880" algn="l" defTabSz="914400" rtl="0" eaLnBrk="1" fontAlgn="auto" latinLnBrk="0" hangingPunct="1">
+              <a:lnSpc>
+                <a:spcPct val="100000"/>
+              </a:lnSpc>
+              <a:spcBef>
+                <a:spcPts val="0"/>
+              </a:spcBef>
+              <a:spcAft>
+                <a:spcPts val="0"/>
+              </a:spcAft>
+              <a:buClr>
+                <a:srgbClr val="93A299"/>
+              </a:buClr>
+              <a:buSzPts val="2040"/>
+              <a:buFont typeface="Arial"/>
+              <a:buChar char="•"/>
+              <a:tabLst/>
+              <a:defRPr/>
+            </a:pPr>
+            <a:endParaRPr lang="en-US" sz="2400" kern="0" dirty="0">
+              <a:ea typeface="Arial"/>
+              <a:cs typeface="Arial"/>
+              <a:sym typeface="Arial"/>
+            </a:endParaRPr>
+          </a:p>
+          <a:p>
+            <a:pPr marL="182880" marR="0" lvl="0" indent="-182880" algn="l" defTabSz="914400" rtl="0" eaLnBrk="1" fontAlgn="auto" latinLnBrk="0" hangingPunct="1">
+              <a:lnSpc>
+                <a:spcPct val="100000"/>
+              </a:lnSpc>
+              <a:spcBef>
+                <a:spcPts val="0"/>
+              </a:spcBef>
+              <a:spcAft>
+                <a:spcPts val="0"/>
+              </a:spcAft>
+              <a:buClr>
+                <a:srgbClr val="93A299"/>
+              </a:buClr>
+              <a:buSzPts val="2040"/>
+              <a:buFont typeface="Arial"/>
+              <a:buChar char="•"/>
+              <a:tabLst/>
+              <a:defRPr/>
+            </a:pPr>
+            <a:endParaRPr lang="en-US" sz="2400" kern="0" dirty="0">
+              <a:ea typeface="Arial"/>
+              <a:cs typeface="Arial"/>
+              <a:sym typeface="Arial"/>
+            </a:endParaRPr>
+          </a:p>
+          <a:p>
+            <a:pPr marL="182880" marR="0" lvl="0" indent="-182880" algn="l" defTabSz="914400" rtl="0" eaLnBrk="1" fontAlgn="auto" latinLnBrk="0" hangingPunct="1">
+              <a:lnSpc>
+                <a:spcPct val="100000"/>
+              </a:lnSpc>
+              <a:spcBef>
+                <a:spcPts val="0"/>
+              </a:spcBef>
+              <a:spcAft>
+                <a:spcPts val="0"/>
+              </a:spcAft>
+              <a:buClr>
+                <a:srgbClr val="93A299"/>
+              </a:buClr>
+              <a:buSzPts val="2040"/>
+              <a:buFont typeface="Arial"/>
+              <a:buChar char="•"/>
+              <a:tabLst/>
+              <a:defRPr/>
+            </a:pPr>
+            <a:endParaRPr lang="en-US" sz="2400" kern="0" dirty="0">
+              <a:ea typeface="Arial"/>
+              <a:cs typeface="Arial"/>
+              <a:sym typeface="Arial"/>
+            </a:endParaRPr>
+          </a:p>
+          <a:p>
+            <a:pPr marL="182880" marR="0" lvl="0" indent="-182880" algn="l" defTabSz="914400" rtl="0" eaLnBrk="1" fontAlgn="auto" latinLnBrk="0" hangingPunct="1">
+              <a:lnSpc>
+                <a:spcPct val="100000"/>
+              </a:lnSpc>
+              <a:spcBef>
+                <a:spcPts val="0"/>
+              </a:spcBef>
+              <a:spcAft>
+                <a:spcPts val="0"/>
+              </a:spcAft>
+              <a:buClr>
+                <a:srgbClr val="93A299"/>
+              </a:buClr>
+              <a:buSzPts val="2040"/>
+              <a:buFont typeface="Arial"/>
+              <a:buChar char="•"/>
+              <a:tabLst/>
+              <a:defRPr/>
+            </a:pPr>
+            <a:endParaRPr lang="en-US" sz="2400" kern="0" dirty="0">
+              <a:ea typeface="Arial"/>
+              <a:cs typeface="Arial"/>
+              <a:sym typeface="Arial"/>
+            </a:endParaRPr>
+          </a:p>
+          <a:p>
+            <a:pPr marL="182880" marR="0" lvl="0" indent="-182880" algn="l" defTabSz="914400" rtl="0" eaLnBrk="1" fontAlgn="auto" latinLnBrk="0" hangingPunct="1">
+              <a:lnSpc>
+                <a:spcPct val="100000"/>
+              </a:lnSpc>
+              <a:spcBef>
+                <a:spcPts val="0"/>
+              </a:spcBef>
+              <a:spcAft>
+                <a:spcPts val="0"/>
+              </a:spcAft>
+              <a:buClr>
+                <a:srgbClr val="93A299"/>
+              </a:buClr>
+              <a:buSzPts val="2040"/>
+              <a:buFont typeface="Arial"/>
+              <a:buChar char="•"/>
+              <a:tabLst/>
+              <a:defRPr/>
+            </a:pPr>
+            <a:endParaRPr lang="en-US" sz="2400" kern="0" dirty="0">
+              <a:ea typeface="Arial"/>
+              <a:cs typeface="Arial"/>
+              <a:sym typeface="Arial"/>
+            </a:endParaRPr>
+          </a:p>
+          <a:p>
+            <a:pPr marL="182880" marR="0" lvl="0" indent="-182880" algn="l" defTabSz="914400" rtl="0" eaLnBrk="1" fontAlgn="auto" latinLnBrk="0" hangingPunct="1">
+              <a:lnSpc>
+                <a:spcPct val="100000"/>
+              </a:lnSpc>
+              <a:spcBef>
+                <a:spcPts val="0"/>
+              </a:spcBef>
+              <a:spcAft>
+                <a:spcPts val="0"/>
+              </a:spcAft>
+              <a:buClr>
+                <a:srgbClr val="93A299"/>
+              </a:buClr>
+              <a:buSzPts val="2040"/>
+              <a:buFont typeface="Arial"/>
+              <a:buChar char="•"/>
+              <a:tabLst/>
+              <a:defRPr/>
+            </a:pPr>
+            <a:endParaRPr lang="en-US" sz="2400" kern="0" dirty="0">
+              <a:ea typeface="Arial"/>
+              <a:cs typeface="Arial"/>
+              <a:sym typeface="Arial"/>
+            </a:endParaRPr>
+          </a:p>
+          <a:p>
+            <a:pPr marL="0" marR="0" lvl="0" indent="0" algn="l" defTabSz="914400" rtl="0" eaLnBrk="1" fontAlgn="auto" latinLnBrk="0" hangingPunct="1">
+              <a:lnSpc>
+                <a:spcPct val="100000"/>
+              </a:lnSpc>
+              <a:spcBef>
+                <a:spcPts val="0"/>
+              </a:spcBef>
+              <a:spcAft>
+                <a:spcPts val="0"/>
+              </a:spcAft>
+              <a:buClr>
+                <a:srgbClr val="93A299"/>
+              </a:buClr>
+              <a:buSzPts val="2040"/>
+              <a:buNone/>
+              <a:tabLst/>
+              <a:defRPr/>
+            </a:pPr>
+            <a:r>
+              <a:rPr lang="en-US" sz="2400" kern="0" dirty="0">
+                <a:ea typeface="Arial"/>
+                <a:cs typeface="Arial"/>
+                <a:sym typeface="Arial"/>
+              </a:rPr>
+              <a:t>Does this approach fit into the theoretical picture we’ve developed so far? Why or why not? </a:t>
+            </a:r>
+          </a:p>
+        </p:txBody>
+      </p:sp>
+    </p:spTree>
+    <p:extLst>
+      <p:ext uri="{BB962C8B-B14F-4D97-AF65-F5344CB8AC3E}">
+        <p14:creationId xmlns:p14="http://schemas.microsoft.com/office/powerpoint/2010/main" val="2228282625"/>
+      </p:ext>
+    </p:extLst>
+  </p:cSld>
+  <p:clrMapOvr>
+    <a:masterClrMapping/>
+  </p:clrMapOvr>
+</p:sld>
+</file>
+
+<file path=ppt/slides/slide2.xml><?xml version="1.0" encoding="utf-8"?>
+<p:sld xmlns:a="http://schemas.openxmlformats.org/drawingml/2006/main" xmlns:r="http://schemas.openxmlformats.org/officeDocument/2006/relationships" xmlns:p="http://schemas.openxmlformats.org/presentationml/2006/main">
+  <p:cSld>
+    <p:spTree>
+      <p:nvGrpSpPr>
+        <p:cNvPr id="1" name=""/>
+        <p:cNvGrpSpPr/>
+        <p:nvPr/>
+      </p:nvGrpSpPr>
+      <p:grpSpPr>
+        <a:xfrm>
+          <a:off x="0" y="0"/>
+          <a:ext cx="0" cy="0"/>
+          <a:chOff x="0" y="0"/>
+          <a:chExt cx="0" cy="0"/>
+        </a:xfrm>
+      </p:grpSpPr>
+      <p:sp>
+        <p:nvSpPr>
+          <p:cNvPr id="2" name="Title 1">
+            <a:extLst>
+              <a:ext uri="{FF2B5EF4-FFF2-40B4-BE49-F238E27FC236}">
+                <a16:creationId xmlns:a16="http://schemas.microsoft.com/office/drawing/2014/main" id="{10D330C2-52A4-1ABA-980B-56FBC97F350C}"/>
+              </a:ext>
+            </a:extLst>
+          </p:cNvPr>
+          <p:cNvSpPr>
+            <a:spLocks noGrp="1"/>
+          </p:cNvSpPr>
+          <p:nvPr>
+            <p:ph type="title"/>
+          </p:nvPr>
+        </p:nvSpPr>
+        <p:spPr/>
+        <p:txBody>
+          <a:bodyPr/>
+          <a:lstStyle/>
+          <a:p>
+            <a:r>
+              <a:rPr lang="en-US" dirty="0"/>
+              <a:t>Notes</a:t>
+            </a:r>
+          </a:p>
+        </p:txBody>
+      </p:sp>
+      <p:sp>
+        <p:nvSpPr>
+          <p:cNvPr id="3" name="Content Placeholder 2">
+            <a:extLst>
+              <a:ext uri="{FF2B5EF4-FFF2-40B4-BE49-F238E27FC236}">
+                <a16:creationId xmlns:a16="http://schemas.microsoft.com/office/drawing/2014/main" id="{9EAE50F6-429C-715A-C25C-1C7744AED1CF}"/>
+              </a:ext>
+            </a:extLst>
+          </p:cNvPr>
+          <p:cNvSpPr>
+            <a:spLocks noGrp="1"/>
+          </p:cNvSpPr>
+          <p:nvPr>
+            <p:ph idx="1"/>
+          </p:nvPr>
+        </p:nvSpPr>
+        <p:spPr/>
+        <p:txBody>
+          <a:bodyPr>
+            <a:normAutofit/>
+          </a:bodyPr>
+          <a:lstStyle/>
+          <a:p>
+            <a:pPr marL="182880" marR="0" lvl="0" indent="-182880" algn="l" defTabSz="914400" rtl="0" eaLnBrk="1" fontAlgn="auto" latinLnBrk="0" hangingPunct="1">
+              <a:lnSpc>
+                <a:spcPct val="100000"/>
+              </a:lnSpc>
+              <a:spcBef>
+                <a:spcPts val="0"/>
+              </a:spcBef>
+              <a:spcAft>
+                <a:spcPts val="0"/>
+              </a:spcAft>
+              <a:buClr>
+                <a:srgbClr val="93A299"/>
+              </a:buClr>
+              <a:buSzPts val="2040"/>
+              <a:buFont typeface="Arial"/>
+              <a:buChar char="•"/>
+              <a:tabLst/>
+              <a:defRPr/>
+            </a:pPr>
+            <a:r>
+              <a:rPr lang="en-US" sz="2400" kern="0" dirty="0">
+                <a:ea typeface="Arial"/>
+                <a:cs typeface="Arial"/>
+                <a:sym typeface="Arial"/>
+              </a:rPr>
+              <a:t>Next week…</a:t>
+            </a:r>
+          </a:p>
+          <a:p>
+            <a:pPr marL="182880" marR="0" lvl="0" indent="-182880" algn="l" defTabSz="914400" rtl="0" eaLnBrk="1" fontAlgn="auto" latinLnBrk="0" hangingPunct="1">
+              <a:lnSpc>
+                <a:spcPct val="100000"/>
+              </a:lnSpc>
+              <a:spcBef>
+                <a:spcPts val="0"/>
+              </a:spcBef>
+              <a:spcAft>
+                <a:spcPts val="0"/>
+              </a:spcAft>
+              <a:buClr>
+                <a:srgbClr val="93A299"/>
+              </a:buClr>
+              <a:buSzPts val="2040"/>
+              <a:buFont typeface="Arial"/>
+              <a:buChar char="•"/>
+              <a:tabLst/>
+              <a:defRPr/>
+            </a:pPr>
+            <a:endParaRPr lang="en-US" sz="2400" kern="0" dirty="0">
+              <a:ea typeface="Arial"/>
+              <a:cs typeface="Arial"/>
+              <a:sym typeface="Arial"/>
+            </a:endParaRPr>
+          </a:p>
+          <a:p>
+            <a:pPr lvl="1">
+              <a:lnSpc>
+                <a:spcPct val="100000"/>
+              </a:lnSpc>
+              <a:spcBef>
+                <a:spcPts val="0"/>
+              </a:spcBef>
+              <a:spcAft>
+                <a:spcPts val="0"/>
+              </a:spcAft>
+              <a:buClr>
+                <a:srgbClr val="93A299"/>
+              </a:buClr>
+              <a:buSzPts val="2040"/>
+              <a:buFont typeface="Arial"/>
+              <a:buChar char="•"/>
+              <a:defRPr/>
+            </a:pPr>
+            <a:r>
+              <a:rPr kumimoji="0" lang="en-US" sz="2200" b="0" i="0" u="none" strike="noStrike" kern="0" cap="none" spc="0" normalizeH="0" baseline="0" noProof="0" dirty="0">
+                <a:ln>
+                  <a:noFill/>
+                </a:ln>
+                <a:effectLst/>
+                <a:uLnTx/>
+                <a:uFillTx/>
+                <a:ea typeface="Arial"/>
+                <a:cs typeface="Arial"/>
+                <a:sym typeface="Arial"/>
+              </a:rPr>
+              <a:t>Mid</a:t>
+            </a:r>
+            <a:r>
+              <a:rPr lang="en-US" sz="2200" kern="0" dirty="0">
+                <a:ea typeface="Arial"/>
+                <a:cs typeface="Arial"/>
+                <a:sym typeface="Arial"/>
+              </a:rPr>
+              <a:t>-semester project! </a:t>
+            </a:r>
+          </a:p>
+          <a:p>
+            <a:pPr lvl="1">
+              <a:lnSpc>
+                <a:spcPct val="100000"/>
+              </a:lnSpc>
+              <a:spcBef>
+                <a:spcPts val="0"/>
+              </a:spcBef>
+              <a:spcAft>
+                <a:spcPts val="0"/>
+              </a:spcAft>
+              <a:buClr>
+                <a:srgbClr val="93A299"/>
+              </a:buClr>
+              <a:buSzPts val="2040"/>
+              <a:buFont typeface="Arial"/>
+              <a:buChar char="•"/>
+              <a:defRPr/>
+            </a:pPr>
+            <a:endParaRPr lang="en-US" sz="2200" kern="0" dirty="0">
+              <a:ea typeface="Arial"/>
+              <a:cs typeface="Arial"/>
+              <a:sym typeface="Arial"/>
+            </a:endParaRPr>
+          </a:p>
+          <a:p>
+            <a:pPr lvl="1">
+              <a:lnSpc>
+                <a:spcPct val="100000"/>
+              </a:lnSpc>
+              <a:spcBef>
+                <a:spcPts val="0"/>
+              </a:spcBef>
+              <a:spcAft>
+                <a:spcPts val="0"/>
+              </a:spcAft>
+              <a:buClr>
+                <a:srgbClr val="93A299"/>
+              </a:buClr>
+              <a:buSzPts val="2040"/>
+              <a:buFont typeface="Arial"/>
+              <a:buChar char="•"/>
+              <a:defRPr/>
+            </a:pPr>
+            <a:r>
+              <a:rPr lang="en-US" sz="2200" kern="0" dirty="0">
+                <a:ea typeface="Arial"/>
+                <a:cs typeface="Arial"/>
+                <a:sym typeface="Arial"/>
+              </a:rPr>
+              <a:t>A lot of the work will happen during class time—it’s a good week to do revise and resubmit on past assignments if you have any waiting </a:t>
+            </a:r>
+          </a:p>
+          <a:p>
+            <a:pPr lvl="1">
+              <a:lnSpc>
+                <a:spcPct val="100000"/>
+              </a:lnSpc>
+              <a:spcBef>
+                <a:spcPts val="0"/>
+              </a:spcBef>
+              <a:spcAft>
+                <a:spcPts val="0"/>
+              </a:spcAft>
+              <a:buClr>
+                <a:srgbClr val="93A299"/>
+              </a:buClr>
+              <a:buSzPts val="2040"/>
+              <a:buFont typeface="Arial"/>
+              <a:buChar char="•"/>
+              <a:defRPr/>
+            </a:pPr>
+            <a:endParaRPr lang="en-US" sz="2200" kern="0" dirty="0">
+              <a:ea typeface="Arial"/>
+              <a:cs typeface="Arial"/>
+              <a:sym typeface="Arial"/>
+            </a:endParaRPr>
+          </a:p>
+          <a:p>
+            <a:pPr lvl="1">
+              <a:lnSpc>
+                <a:spcPct val="100000"/>
+              </a:lnSpc>
+              <a:spcBef>
+                <a:spcPts val="0"/>
+              </a:spcBef>
+              <a:spcAft>
+                <a:spcPts val="0"/>
+              </a:spcAft>
+              <a:buClr>
+                <a:srgbClr val="93A299"/>
+              </a:buClr>
+              <a:buSzPts val="2040"/>
+              <a:buFont typeface="Arial"/>
+              <a:buChar char="•"/>
+              <a:defRPr/>
+            </a:pPr>
+            <a:r>
+              <a:rPr kumimoji="0" lang="en-US" sz="2200" b="0" i="0" u="none" strike="noStrike" kern="0" cap="none" spc="0" normalizeH="0" baseline="0" noProof="0" dirty="0">
+                <a:ln>
+                  <a:noFill/>
+                </a:ln>
+                <a:effectLst/>
+                <a:uLnTx/>
+                <a:uFillTx/>
+                <a:ea typeface="Arial"/>
+                <a:cs typeface="Arial"/>
+                <a:sym typeface="Arial"/>
+              </a:rPr>
+              <a:t>I will be here next Thursday, but class time will still be saved for project ideation  </a:t>
+            </a:r>
+          </a:p>
+          <a:p>
+            <a:pPr lvl="1">
+              <a:lnSpc>
+                <a:spcPct val="100000"/>
+              </a:lnSpc>
+              <a:spcBef>
+                <a:spcPts val="0"/>
+              </a:spcBef>
+              <a:spcAft>
+                <a:spcPts val="0"/>
+              </a:spcAft>
+              <a:buClr>
+                <a:srgbClr val="93A299"/>
+              </a:buClr>
+              <a:buSzPts val="2040"/>
+              <a:buFont typeface="Arial"/>
+              <a:buChar char="•"/>
+              <a:defRPr/>
+            </a:pPr>
+            <a:endParaRPr kumimoji="0" lang="en-US" sz="2200" b="0" i="0" u="none" strike="noStrike" kern="0" cap="none" spc="0" normalizeH="0" baseline="0" noProof="0" dirty="0">
+              <a:ln>
+                <a:noFill/>
+              </a:ln>
+              <a:effectLst/>
+              <a:uLnTx/>
+              <a:uFillTx/>
+              <a:ea typeface="Arial"/>
+              <a:cs typeface="Arial"/>
+              <a:sym typeface="Arial"/>
+            </a:endParaRPr>
+          </a:p>
+          <a:p>
+            <a:pPr lvl="1">
+              <a:lnSpc>
+                <a:spcPct val="100000"/>
+              </a:lnSpc>
+              <a:spcBef>
+                <a:spcPts val="0"/>
+              </a:spcBef>
+              <a:spcAft>
+                <a:spcPts val="0"/>
+              </a:spcAft>
+              <a:buClr>
+                <a:srgbClr val="93A299"/>
+              </a:buClr>
+              <a:buSzPts val="2040"/>
+              <a:buFont typeface="Arial"/>
+              <a:buChar char="•"/>
+              <a:defRPr/>
+            </a:pPr>
+            <a:r>
+              <a:rPr lang="en-US" sz="2200" kern="0" dirty="0">
+                <a:ea typeface="Arial"/>
+                <a:cs typeface="Arial"/>
+                <a:sym typeface="Arial"/>
+              </a:rPr>
+              <a:t>I recommend reading the instructions for the project before class! </a:t>
+            </a:r>
+            <a:endParaRPr kumimoji="0" lang="en-US" sz="2200" b="0" i="0" u="none" strike="noStrike" kern="0" cap="none" spc="0" normalizeH="0" baseline="0" noProof="0" dirty="0">
+              <a:ln>
+                <a:noFill/>
+              </a:ln>
+              <a:effectLst/>
+              <a:uLnTx/>
+              <a:uFillTx/>
+              <a:ea typeface="Arial"/>
+              <a:cs typeface="Arial"/>
+              <a:sym typeface="Arial"/>
+            </a:endParaRPr>
+          </a:p>
+        </p:txBody>
+      </p:sp>
+    </p:spTree>
+    <p:extLst>
+      <p:ext uri="{BB962C8B-B14F-4D97-AF65-F5344CB8AC3E}">
+        <p14:creationId xmlns:p14="http://schemas.microsoft.com/office/powerpoint/2010/main" val="1085546165"/>
+      </p:ext>
+    </p:extLst>
+  </p:cSld>
+  <p:clrMapOvr>
+    <a:masterClrMapping/>
+  </p:clrMapOvr>
+</p:sld>
+</file>
+
+<file path=ppt/slides/slide3.xml><?xml version="1.0" encoding="utf-8"?>
+<p:sld xmlns:a="http://schemas.openxmlformats.org/drawingml/2006/main" xmlns:r="http://schemas.openxmlformats.org/officeDocument/2006/relationships" xmlns:p="http://schemas.openxmlformats.org/presentationml/2006/main">
+  <p:cSld>
+    <p:spTree>
+      <p:nvGrpSpPr>
+        <p:cNvPr id="1" name=""/>
+        <p:cNvGrpSpPr/>
+        <p:nvPr/>
+      </p:nvGrpSpPr>
+      <p:grpSpPr>
+        <a:xfrm>
+          <a:off x="0" y="0"/>
+          <a:ext cx="0" cy="0"/>
+          <a:chOff x="0" y="0"/>
+          <a:chExt cx="0" cy="0"/>
+        </a:xfrm>
+      </p:grpSpPr>
+      <p:sp>
+        <p:nvSpPr>
+          <p:cNvPr id="2" name="Title 1">
+            <a:extLst>
+              <a:ext uri="{FF2B5EF4-FFF2-40B4-BE49-F238E27FC236}">
+                <a16:creationId xmlns:a16="http://schemas.microsoft.com/office/drawing/2014/main" id="{10D330C2-52A4-1ABA-980B-56FBC97F350C}"/>
+              </a:ext>
+            </a:extLst>
+          </p:cNvPr>
+          <p:cNvSpPr>
+            <a:spLocks noGrp="1"/>
+          </p:cNvSpPr>
+          <p:nvPr>
+            <p:ph type="title"/>
+          </p:nvPr>
+        </p:nvSpPr>
+        <p:spPr/>
+        <p:txBody>
+          <a:bodyPr/>
+          <a:lstStyle/>
+          <a:p>
+            <a:r>
+              <a:rPr lang="en-US" dirty="0"/>
+              <a:t>Plan for Today</a:t>
+            </a:r>
+          </a:p>
+        </p:txBody>
+      </p:sp>
+      <p:sp>
+        <p:nvSpPr>
+          <p:cNvPr id="3" name="Content Placeholder 2">
+            <a:extLst>
+              <a:ext uri="{FF2B5EF4-FFF2-40B4-BE49-F238E27FC236}">
+                <a16:creationId xmlns:a16="http://schemas.microsoft.com/office/drawing/2014/main" id="{9EAE50F6-429C-715A-C25C-1C7744AED1CF}"/>
+              </a:ext>
+            </a:extLst>
+          </p:cNvPr>
+          <p:cNvSpPr>
+            <a:spLocks noGrp="1"/>
+          </p:cNvSpPr>
+          <p:nvPr>
+            <p:ph idx="1"/>
+          </p:nvPr>
+        </p:nvSpPr>
+        <p:spPr/>
+        <p:txBody>
+          <a:bodyPr>
+            <a:normAutofit/>
+          </a:bodyPr>
+          <a:lstStyle/>
+          <a:p>
+            <a:pPr marL="182880" marR="0" lvl="0" indent="-182880" algn="l" defTabSz="914400" rtl="0" eaLnBrk="1" fontAlgn="auto" latinLnBrk="0" hangingPunct="1">
+              <a:lnSpc>
+                <a:spcPct val="100000"/>
+              </a:lnSpc>
+              <a:spcBef>
+                <a:spcPts val="0"/>
+              </a:spcBef>
+              <a:spcAft>
+                <a:spcPts val="0"/>
+              </a:spcAft>
+              <a:buClr>
+                <a:srgbClr val="93A299"/>
+              </a:buClr>
+              <a:buSzPts val="2040"/>
+              <a:buFont typeface="Arial"/>
+              <a:buChar char="•"/>
+              <a:tabLst/>
+              <a:defRPr/>
+            </a:pPr>
+            <a:r>
+              <a:rPr lang="en-US" sz="2400" kern="0" dirty="0">
+                <a:ea typeface="Arial"/>
+                <a:cs typeface="Arial"/>
+                <a:sym typeface="Arial"/>
+              </a:rPr>
+              <a:t>The human side of data </a:t>
+            </a:r>
+          </a:p>
+          <a:p>
+            <a:pPr marL="182880" marR="0" lvl="0" indent="-182880" algn="l" defTabSz="914400" rtl="0" eaLnBrk="1" fontAlgn="auto" latinLnBrk="0" hangingPunct="1">
+              <a:lnSpc>
+                <a:spcPct val="100000"/>
+              </a:lnSpc>
+              <a:spcBef>
+                <a:spcPts val="0"/>
+              </a:spcBef>
+              <a:spcAft>
+                <a:spcPts val="0"/>
+              </a:spcAft>
+              <a:buClr>
+                <a:srgbClr val="93A299"/>
+              </a:buClr>
+              <a:buSzPts val="2040"/>
+              <a:buFont typeface="Arial"/>
+              <a:buChar char="•"/>
+              <a:tabLst/>
+              <a:defRPr/>
+            </a:pPr>
+            <a:r>
+              <a:rPr kumimoji="0" lang="en-US" sz="2400" b="0" i="0" u="none" strike="noStrike" kern="0" cap="none" spc="0" normalizeH="0" baseline="0" noProof="0" dirty="0">
+                <a:ln>
+                  <a:noFill/>
+                </a:ln>
+                <a:effectLst/>
+                <a:uLnTx/>
+                <a:uFillTx/>
+                <a:ea typeface="Arial"/>
+                <a:cs typeface="Arial"/>
+                <a:sym typeface="Arial"/>
+              </a:rPr>
+              <a:t>Visualization as art</a:t>
+            </a:r>
+          </a:p>
+          <a:p>
+            <a:pPr marL="182880" marR="0" lvl="0" indent="-182880" algn="l" defTabSz="914400" rtl="0" eaLnBrk="1" fontAlgn="auto" latinLnBrk="0" hangingPunct="1">
+              <a:lnSpc>
+                <a:spcPct val="100000"/>
+              </a:lnSpc>
+              <a:spcBef>
+                <a:spcPts val="0"/>
+              </a:spcBef>
+              <a:spcAft>
+                <a:spcPts val="0"/>
+              </a:spcAft>
+              <a:buClr>
+                <a:srgbClr val="93A299"/>
+              </a:buClr>
+              <a:buSzPts val="2040"/>
+              <a:buFont typeface="Arial"/>
+              <a:buChar char="•"/>
+              <a:tabLst/>
+              <a:defRPr/>
+            </a:pPr>
+            <a:r>
+              <a:rPr lang="en-US" sz="2400" kern="0" dirty="0">
+                <a:ea typeface="Arial"/>
+                <a:cs typeface="Arial"/>
+                <a:sym typeface="Arial"/>
+              </a:rPr>
+              <a:t>Visualization as experience </a:t>
+            </a:r>
+            <a:endParaRPr kumimoji="0" lang="en-US" sz="2400" b="0" i="0" u="none" strike="noStrike" kern="0" cap="none" spc="0" normalizeH="0" baseline="0" noProof="0" dirty="0">
+              <a:ln>
+                <a:noFill/>
+              </a:ln>
+              <a:effectLst/>
+              <a:uLnTx/>
+              <a:uFillTx/>
+              <a:ea typeface="Arial"/>
+              <a:cs typeface="Arial"/>
+              <a:sym typeface="Arial"/>
+            </a:endParaRPr>
+          </a:p>
+        </p:txBody>
+      </p:sp>
+    </p:spTree>
+    <p:extLst>
+      <p:ext uri="{BB962C8B-B14F-4D97-AF65-F5344CB8AC3E}">
+        <p14:creationId xmlns:p14="http://schemas.microsoft.com/office/powerpoint/2010/main" val="2288164768"/>
+      </p:ext>
+    </p:extLst>
+  </p:cSld>
+  <p:clrMapOvr>
+    <a:masterClrMapping/>
+  </p:clrMapOvr>
+</p:sld>
+</file>
+
+<file path=ppt/slides/slide4.xml><?xml version="1.0" encoding="utf-8"?>
+<p:sld xmlns:a="http://schemas.openxmlformats.org/drawingml/2006/main" xmlns:r="http://schemas.openxmlformats.org/officeDocument/2006/relationships" xmlns:p="http://schemas.openxmlformats.org/presentationml/2006/main">
+  <p:cSld>
+    <p:spTree>
+      <p:nvGrpSpPr>
+        <p:cNvPr id="1" name=""/>
+        <p:cNvGrpSpPr/>
+        <p:nvPr/>
+      </p:nvGrpSpPr>
+      <p:grpSpPr>
+        <a:xfrm>
+          <a:off x="0" y="0"/>
+          <a:ext cx="0" cy="0"/>
+          <a:chOff x="0" y="0"/>
+          <a:chExt cx="0" cy="0"/>
+        </a:xfrm>
+      </p:grpSpPr>
+      <p:sp>
+        <p:nvSpPr>
+          <p:cNvPr id="2" name="Title 1">
+            <a:extLst>
+              <a:ext uri="{FF2B5EF4-FFF2-40B4-BE49-F238E27FC236}">
+                <a16:creationId xmlns:a16="http://schemas.microsoft.com/office/drawing/2014/main" id="{10D330C2-52A4-1ABA-980B-56FBC97F350C}"/>
+              </a:ext>
+            </a:extLst>
+          </p:cNvPr>
+          <p:cNvSpPr>
+            <a:spLocks noGrp="1"/>
+          </p:cNvSpPr>
+          <p:nvPr>
+            <p:ph type="title"/>
+          </p:nvPr>
+        </p:nvSpPr>
+        <p:spPr/>
+        <p:txBody>
+          <a:bodyPr/>
+          <a:lstStyle/>
+          <a:p>
+            <a:r>
+              <a:rPr lang="en-US" dirty="0" err="1"/>
+              <a:t>Giorgia</a:t>
+            </a:r>
+            <a:r>
+              <a:rPr lang="en-US" dirty="0"/>
+              <a:t> </a:t>
+            </a:r>
+            <a:r>
+              <a:rPr lang="en-US" dirty="0" err="1"/>
+              <a:t>Lupi</a:t>
+            </a:r>
+            <a:endParaRPr lang="en-US" dirty="0"/>
+          </a:p>
+        </p:txBody>
+      </p:sp>
+      <p:pic>
+        <p:nvPicPr>
+          <p:cNvPr id="2050" name="Picture 2" descr="Data Humanism - A Visual Manifesto">
+            <a:extLst>
+              <a:ext uri="{FF2B5EF4-FFF2-40B4-BE49-F238E27FC236}">
+                <a16:creationId xmlns:a16="http://schemas.microsoft.com/office/drawing/2014/main" id="{4D8B36E8-B147-CC75-05BB-75A78D05044A}"/>
+              </a:ext>
+            </a:extLst>
+          </p:cNvPr>
+          <p:cNvPicPr>
+            <a:picLocks noChangeAspect="1" noChangeArrowheads="1"/>
+          </p:cNvPicPr>
+          <p:nvPr/>
+        </p:nvPicPr>
+        <p:blipFill rotWithShape="1">
+          <a:blip r:embed="rId3">
+            <a:extLst>
+              <a:ext uri="{28A0092B-C50C-407E-A947-70E740481C1C}">
+                <a14:useLocalDpi xmlns:a14="http://schemas.microsoft.com/office/drawing/2010/main" val="0"/>
+              </a:ext>
+            </a:extLst>
+          </a:blip>
+          <a:srcRect l="17954" r="10909" b="83168"/>
+          <a:stretch/>
+        </p:blipFill>
+        <p:spPr bwMode="auto">
+          <a:xfrm>
+            <a:off x="5113475" y="748146"/>
+            <a:ext cx="7078525" cy="942109"/>
+          </a:xfrm>
+          <a:prstGeom prst="rect">
+            <a:avLst/>
+          </a:prstGeom>
+          <a:noFill/>
+          <a:extLst>
+            <a:ext uri="{909E8E84-426E-40DD-AFC4-6F175D3DCCD1}">
+              <a14:hiddenFill xmlns:a14="http://schemas.microsoft.com/office/drawing/2010/main">
+                <a:solidFill>
+                  <a:srgbClr val="FFFFFF"/>
+                </a:solidFill>
+              </a14:hiddenFill>
+            </a:ext>
+          </a:extLst>
+        </p:spPr>
+      </p:pic>
+      <p:pic>
+        <p:nvPicPr>
+          <p:cNvPr id="1026" name="Picture 2" descr="Giorgia Lupi">
+            <a:extLst>
+              <a:ext uri="{FF2B5EF4-FFF2-40B4-BE49-F238E27FC236}">
+                <a16:creationId xmlns:a16="http://schemas.microsoft.com/office/drawing/2014/main" id="{63727CE9-3818-C920-D49C-D6F388E5C86F}"/>
+              </a:ext>
+            </a:extLst>
+          </p:cNvPr>
+          <p:cNvPicPr>
+            <a:picLocks noChangeAspect="1" noChangeArrowheads="1"/>
+          </p:cNvPicPr>
+          <p:nvPr/>
+        </p:nvPicPr>
+        <p:blipFill>
+          <a:blip r:embed="rId4">
+            <a:extLst>
+              <a:ext uri="{28A0092B-C50C-407E-A947-70E740481C1C}">
+                <a14:useLocalDpi xmlns:a14="http://schemas.microsoft.com/office/drawing/2010/main" val="0"/>
+              </a:ext>
+            </a:extLst>
+          </a:blip>
+          <a:srcRect/>
+          <a:stretch>
+            <a:fillRect/>
+          </a:stretch>
+        </p:blipFill>
+        <p:spPr bwMode="auto">
+          <a:xfrm>
+            <a:off x="3538104" y="199160"/>
+            <a:ext cx="2142258" cy="2142258"/>
+          </a:xfrm>
+          <a:prstGeom prst="rect">
+            <a:avLst/>
+          </a:prstGeom>
+          <a:noFill/>
+          <a:extLst>
+            <a:ext uri="{909E8E84-426E-40DD-AFC4-6F175D3DCCD1}">
+              <a14:hiddenFill xmlns:a14="http://schemas.microsoft.com/office/drawing/2010/main">
+                <a:solidFill>
+                  <a:srgbClr val="FFFFFF"/>
+                </a:solidFill>
+              </a14:hiddenFill>
+            </a:ext>
+          </a:extLst>
+        </p:spPr>
+      </p:pic>
+      <p:sp>
+        <p:nvSpPr>
+          <p:cNvPr id="3" name="Content Placeholder 2">
+            <a:extLst>
+              <a:ext uri="{FF2B5EF4-FFF2-40B4-BE49-F238E27FC236}">
+                <a16:creationId xmlns:a16="http://schemas.microsoft.com/office/drawing/2014/main" id="{524868D7-C3AB-69CC-A718-78CEBE5372EB}"/>
+              </a:ext>
+            </a:extLst>
+          </p:cNvPr>
+          <p:cNvSpPr>
+            <a:spLocks noGrp="1"/>
+          </p:cNvSpPr>
+          <p:nvPr>
+            <p:ph idx="1"/>
+          </p:nvPr>
+        </p:nvSpPr>
+        <p:spPr>
+          <a:xfrm>
+            <a:off x="3869268" y="2890404"/>
+            <a:ext cx="7315200" cy="3094344"/>
+          </a:xfrm>
+        </p:spPr>
+        <p:txBody>
+          <a:bodyPr anchor="t">
+            <a:normAutofit/>
+          </a:bodyPr>
+          <a:lstStyle/>
+          <a:p>
+            <a:pPr marL="0" marR="0" lvl="0" indent="0" algn="l" defTabSz="914400" rtl="0" eaLnBrk="1" fontAlgn="auto" latinLnBrk="0" hangingPunct="1">
+              <a:lnSpc>
+                <a:spcPct val="100000"/>
+              </a:lnSpc>
+              <a:spcBef>
+                <a:spcPts val="0"/>
+              </a:spcBef>
+              <a:spcAft>
+                <a:spcPts val="0"/>
+              </a:spcAft>
+              <a:buClr>
+                <a:srgbClr val="93A299"/>
+              </a:buClr>
+              <a:buSzPts val="2040"/>
+              <a:buNone/>
+              <a:tabLst/>
+              <a:defRPr/>
+            </a:pPr>
+            <a:r>
+              <a:rPr lang="en-US" sz="2400" kern="0" dirty="0">
+                <a:ea typeface="Arial"/>
+                <a:cs typeface="Arial"/>
+                <a:sym typeface="Arial"/>
+              </a:rPr>
+              <a:t>Wait…. What is data humanism?</a:t>
+            </a:r>
+          </a:p>
+        </p:txBody>
+      </p:sp>
+    </p:spTree>
+    <p:extLst>
+      <p:ext uri="{BB962C8B-B14F-4D97-AF65-F5344CB8AC3E}">
+        <p14:creationId xmlns:p14="http://schemas.microsoft.com/office/powerpoint/2010/main" val="2019008486"/>
+      </p:ext>
+    </p:extLst>
+  </p:cSld>
+  <p:clrMapOvr>
+    <a:masterClrMapping/>
+  </p:clrMapOvr>
+</p:sld>
+</file>
+
+<file path=ppt/slides/slide5.xml><?xml version="1.0" encoding="utf-8"?>
+<p:sld xmlns:a="http://schemas.openxmlformats.org/drawingml/2006/main" xmlns:r="http://schemas.openxmlformats.org/officeDocument/2006/relationships" xmlns:p="http://schemas.openxmlformats.org/presentationml/2006/main">
+  <p:cSld>
+    <p:spTree>
+      <p:nvGrpSpPr>
+        <p:cNvPr id="1" name=""/>
+        <p:cNvGrpSpPr/>
+        <p:nvPr/>
+      </p:nvGrpSpPr>
+      <p:grpSpPr>
+        <a:xfrm>
+          <a:off x="0" y="0"/>
+          <a:ext cx="0" cy="0"/>
+          <a:chOff x="0" y="0"/>
+          <a:chExt cx="0" cy="0"/>
+        </a:xfrm>
+      </p:grpSpPr>
+      <p:sp>
+        <p:nvSpPr>
+          <p:cNvPr id="2" name="Title 1">
+            <a:extLst>
+              <a:ext uri="{FF2B5EF4-FFF2-40B4-BE49-F238E27FC236}">
+                <a16:creationId xmlns:a16="http://schemas.microsoft.com/office/drawing/2014/main" id="{10D330C2-52A4-1ABA-980B-56FBC97F350C}"/>
+              </a:ext>
+            </a:extLst>
+          </p:cNvPr>
+          <p:cNvSpPr>
+            <a:spLocks noGrp="1"/>
+          </p:cNvSpPr>
+          <p:nvPr>
+            <p:ph type="title"/>
+          </p:nvPr>
+        </p:nvSpPr>
+        <p:spPr/>
+        <p:txBody>
+          <a:bodyPr/>
+          <a:lstStyle/>
+          <a:p>
+            <a:r>
+              <a:rPr lang="en-US" dirty="0"/>
+              <a:t>Exploration</a:t>
+            </a:r>
+          </a:p>
+        </p:txBody>
+      </p:sp>
+      <p:sp>
+        <p:nvSpPr>
+          <p:cNvPr id="3" name="Content Placeholder 2">
+            <a:extLst>
+              <a:ext uri="{FF2B5EF4-FFF2-40B4-BE49-F238E27FC236}">
+                <a16:creationId xmlns:a16="http://schemas.microsoft.com/office/drawing/2014/main" id="{6011E15D-4D4A-8C13-8854-3256184EC999}"/>
+              </a:ext>
+            </a:extLst>
+          </p:cNvPr>
+          <p:cNvSpPr>
+            <a:spLocks noGrp="1"/>
+          </p:cNvSpPr>
+          <p:nvPr>
+            <p:ph idx="1"/>
+          </p:nvPr>
+        </p:nvSpPr>
+        <p:spPr>
+          <a:xfrm>
+            <a:off x="3449787" y="124691"/>
+            <a:ext cx="8738680" cy="6594764"/>
+          </a:xfrm>
+        </p:spPr>
+        <p:txBody>
+          <a:bodyPr anchor="t">
+            <a:noAutofit/>
+          </a:bodyPr>
+          <a:lstStyle/>
+          <a:p>
+            <a:pPr marL="182880" marR="0" lvl="0" indent="-182880" algn="l" defTabSz="914400" rtl="0" eaLnBrk="1" fontAlgn="auto" latinLnBrk="0" hangingPunct="1">
+              <a:lnSpc>
+                <a:spcPct val="100000"/>
+              </a:lnSpc>
+              <a:spcBef>
+                <a:spcPts val="0"/>
+              </a:spcBef>
+              <a:spcAft>
+                <a:spcPts val="0"/>
+              </a:spcAft>
+              <a:buClr>
+                <a:srgbClr val="93A299"/>
+              </a:buClr>
+              <a:buSzPts val="2040"/>
+              <a:buFont typeface="Arial"/>
+              <a:buChar char="•"/>
+              <a:tabLst/>
+              <a:defRPr/>
+            </a:pPr>
+            <a:r>
+              <a:rPr lang="en-US" kern="0" dirty="0">
+                <a:ea typeface="Arial"/>
+                <a:cs typeface="Arial"/>
+                <a:sym typeface="Arial"/>
+              </a:rPr>
+              <a:t>Form groups of ~3 </a:t>
+            </a:r>
+          </a:p>
+          <a:p>
+            <a:pPr marL="182880" marR="0" lvl="0" indent="-182880" algn="l" defTabSz="914400" rtl="0" eaLnBrk="1" fontAlgn="auto" latinLnBrk="0" hangingPunct="1">
+              <a:lnSpc>
+                <a:spcPct val="100000"/>
+              </a:lnSpc>
+              <a:spcBef>
+                <a:spcPts val="0"/>
+              </a:spcBef>
+              <a:spcAft>
+                <a:spcPts val="0"/>
+              </a:spcAft>
+              <a:buClr>
+                <a:srgbClr val="93A299"/>
+              </a:buClr>
+              <a:buSzPts val="2040"/>
+              <a:buFont typeface="Arial"/>
+              <a:buChar char="•"/>
+              <a:tabLst/>
+              <a:defRPr/>
+            </a:pPr>
+            <a:r>
+              <a:rPr kumimoji="0" lang="en-US" b="0" i="0" u="none" strike="noStrike" kern="0" cap="none" spc="0" normalizeH="0" baseline="0" noProof="0" dirty="0">
+                <a:ln>
+                  <a:noFill/>
+                </a:ln>
+                <a:effectLst/>
+                <a:uLnTx/>
+                <a:uFillTx/>
+                <a:ea typeface="Arial"/>
+                <a:cs typeface="Arial"/>
+                <a:sym typeface="Arial"/>
+              </a:rPr>
+              <a:t>Each group will be assigned one of </a:t>
+            </a:r>
+            <a:r>
+              <a:rPr lang="en-US" kern="0" dirty="0">
+                <a:ea typeface="Arial"/>
+                <a:cs typeface="Arial"/>
+                <a:sym typeface="Arial"/>
+              </a:rPr>
+              <a:t>Gi</a:t>
+            </a:r>
+            <a:r>
+              <a:rPr kumimoji="0" lang="en-US" b="0" i="0" u="none" strike="noStrike" kern="0" cap="none" spc="0" normalizeH="0" baseline="0" noProof="0" dirty="0">
+                <a:ln>
+                  <a:noFill/>
+                </a:ln>
+                <a:effectLst/>
+                <a:uLnTx/>
+                <a:uFillTx/>
+                <a:ea typeface="Arial"/>
+                <a:cs typeface="Arial"/>
+                <a:sym typeface="Arial"/>
+              </a:rPr>
+              <a:t>orgia’s projects</a:t>
+            </a:r>
+          </a:p>
+          <a:p>
+            <a:pPr lvl="1">
+              <a:lnSpc>
+                <a:spcPct val="100000"/>
+              </a:lnSpc>
+              <a:spcBef>
+                <a:spcPts val="0"/>
+              </a:spcBef>
+              <a:spcAft>
+                <a:spcPts val="0"/>
+              </a:spcAft>
+              <a:buClr>
+                <a:srgbClr val="93A299"/>
+              </a:buClr>
+              <a:buSzPts val="2040"/>
+              <a:buFont typeface="Arial"/>
+              <a:buChar char="•"/>
+              <a:defRPr/>
+            </a:pPr>
+            <a:r>
+              <a:rPr lang="en-US" sz="2000" kern="0" dirty="0">
+                <a:ea typeface="Arial"/>
+                <a:cs typeface="Arial"/>
+                <a:sym typeface="Arial"/>
+              </a:rPr>
+              <a:t>1,374 days</a:t>
+            </a:r>
+          </a:p>
+          <a:p>
+            <a:pPr lvl="1">
+              <a:lnSpc>
+                <a:spcPct val="100000"/>
+              </a:lnSpc>
+              <a:spcBef>
+                <a:spcPts val="0"/>
+              </a:spcBef>
+              <a:spcAft>
+                <a:spcPts val="0"/>
+              </a:spcAft>
+              <a:buClr>
+                <a:srgbClr val="93A299"/>
+              </a:buClr>
+              <a:buSzPts val="2040"/>
+              <a:buFont typeface="Arial"/>
+              <a:buChar char="•"/>
+              <a:defRPr/>
+            </a:pPr>
+            <a:r>
+              <a:rPr kumimoji="0" lang="en-US" sz="2000" b="0" i="0" u="none" strike="noStrike" kern="0" cap="none" spc="0" normalizeH="0" baseline="0" noProof="0" dirty="0" err="1">
+                <a:ln>
+                  <a:noFill/>
+                </a:ln>
+                <a:effectLst/>
+                <a:uLnTx/>
+                <a:uFillTx/>
+                <a:ea typeface="Arial"/>
+                <a:cs typeface="Arial"/>
+                <a:sym typeface="Arial"/>
+              </a:rPr>
+              <a:t>Mindworks</a:t>
+            </a:r>
+            <a:endParaRPr kumimoji="0" lang="en-US" sz="2000" b="0" i="0" u="none" strike="noStrike" kern="0" cap="none" spc="0" normalizeH="0" baseline="0" noProof="0" dirty="0">
+              <a:ln>
+                <a:noFill/>
+              </a:ln>
+              <a:effectLst/>
+              <a:uLnTx/>
+              <a:uFillTx/>
+              <a:ea typeface="Arial"/>
+              <a:cs typeface="Arial"/>
+              <a:sym typeface="Arial"/>
+            </a:endParaRPr>
+          </a:p>
+          <a:p>
+            <a:pPr lvl="1">
+              <a:lnSpc>
+                <a:spcPct val="100000"/>
+              </a:lnSpc>
+              <a:spcBef>
+                <a:spcPts val="0"/>
+              </a:spcBef>
+              <a:spcAft>
+                <a:spcPts val="0"/>
+              </a:spcAft>
+              <a:buClr>
+                <a:srgbClr val="93A299"/>
+              </a:buClr>
+              <a:buSzPts val="2040"/>
+              <a:buFont typeface="Arial"/>
+              <a:buChar char="•"/>
+              <a:defRPr/>
+            </a:pPr>
+            <a:r>
+              <a:rPr kumimoji="0" lang="en-US" sz="2000" b="0" i="0" u="none" strike="noStrike" kern="0" cap="none" spc="0" normalizeH="0" baseline="0" noProof="0" dirty="0">
+                <a:ln>
+                  <a:noFill/>
+                </a:ln>
+                <a:effectLst/>
+                <a:uLnTx/>
+                <a:uFillTx/>
+                <a:ea typeface="Arial"/>
+                <a:cs typeface="Arial"/>
+                <a:sym typeface="Arial"/>
+              </a:rPr>
+              <a:t>What Counts</a:t>
+            </a:r>
+          </a:p>
+          <a:p>
+            <a:pPr lvl="1">
+              <a:lnSpc>
+                <a:spcPct val="100000"/>
+              </a:lnSpc>
+              <a:spcBef>
+                <a:spcPts val="0"/>
+              </a:spcBef>
+              <a:spcAft>
+                <a:spcPts val="0"/>
+              </a:spcAft>
+              <a:buClr>
+                <a:srgbClr val="93A299"/>
+              </a:buClr>
+              <a:buSzPts val="2040"/>
+              <a:buFont typeface="Arial"/>
+              <a:buChar char="•"/>
+              <a:defRPr/>
+            </a:pPr>
+            <a:r>
+              <a:rPr kumimoji="0" lang="en-US" sz="2000" b="0" i="0" u="none" strike="noStrike" kern="0" cap="none" spc="0" normalizeH="0" baseline="0" noProof="0" dirty="0">
+                <a:ln>
+                  <a:noFill/>
+                </a:ln>
+                <a:effectLst/>
+                <a:uLnTx/>
+                <a:uFillTx/>
+                <a:ea typeface="Arial"/>
+                <a:cs typeface="Arial"/>
+                <a:sym typeface="Arial"/>
+              </a:rPr>
+              <a:t>Unraveling Stories</a:t>
+            </a:r>
+          </a:p>
+          <a:p>
+            <a:pPr lvl="1">
+              <a:lnSpc>
+                <a:spcPct val="100000"/>
+              </a:lnSpc>
+              <a:spcBef>
+                <a:spcPts val="0"/>
+              </a:spcBef>
+              <a:spcAft>
+                <a:spcPts val="0"/>
+              </a:spcAft>
+              <a:buClr>
+                <a:srgbClr val="93A299"/>
+              </a:buClr>
+              <a:buSzPts val="2040"/>
+              <a:buFont typeface="Arial"/>
+              <a:buChar char="•"/>
+              <a:defRPr/>
+            </a:pPr>
+            <a:r>
+              <a:rPr lang="en-US" sz="2000" kern="0" dirty="0">
+                <a:ea typeface="Arial"/>
+                <a:cs typeface="Arial"/>
+                <a:sym typeface="Arial"/>
+              </a:rPr>
+              <a:t>Bulletin of the Atomic Scientists</a:t>
+            </a:r>
+          </a:p>
+          <a:p>
+            <a:pPr lvl="1">
+              <a:lnSpc>
+                <a:spcPct val="100000"/>
+              </a:lnSpc>
+              <a:spcBef>
+                <a:spcPts val="0"/>
+              </a:spcBef>
+              <a:spcAft>
+                <a:spcPts val="0"/>
+              </a:spcAft>
+              <a:buClr>
+                <a:srgbClr val="93A299"/>
+              </a:buClr>
+              <a:buSzPts val="2040"/>
+              <a:buFont typeface="Arial"/>
+              <a:buChar char="•"/>
+              <a:defRPr/>
+            </a:pPr>
+            <a:r>
+              <a:rPr kumimoji="0" lang="en-US" sz="2000" b="0" i="0" u="none" strike="noStrike" kern="0" cap="none" spc="0" normalizeH="0" baseline="0" noProof="0" dirty="0">
+                <a:ln>
+                  <a:noFill/>
+                </a:ln>
+                <a:effectLst/>
+                <a:uLnTx/>
+                <a:uFillTx/>
+                <a:ea typeface="Arial"/>
+                <a:cs typeface="Arial"/>
+                <a:sym typeface="Arial"/>
+              </a:rPr>
+              <a:t>The </a:t>
+            </a:r>
+            <a:r>
+              <a:rPr lang="en-US" sz="2000" kern="0" dirty="0">
+                <a:ea typeface="Arial"/>
+                <a:cs typeface="Arial"/>
+                <a:sym typeface="Arial"/>
+              </a:rPr>
+              <a:t>Room of Change</a:t>
+            </a:r>
+          </a:p>
+          <a:p>
+            <a:pPr lvl="1">
+              <a:lnSpc>
+                <a:spcPct val="100000"/>
+              </a:lnSpc>
+              <a:spcBef>
+                <a:spcPts val="0"/>
+              </a:spcBef>
+              <a:spcAft>
+                <a:spcPts val="0"/>
+              </a:spcAft>
+              <a:buClr>
+                <a:srgbClr val="93A299"/>
+              </a:buClr>
+              <a:buSzPts val="2040"/>
+              <a:buFont typeface="Arial"/>
+              <a:buChar char="•"/>
+              <a:defRPr/>
+            </a:pPr>
+            <a:r>
+              <a:rPr lang="en-US" sz="2000" kern="0" dirty="0">
+                <a:ea typeface="Arial"/>
+                <a:cs typeface="Arial"/>
+                <a:sym typeface="Arial"/>
+              </a:rPr>
+              <a:t>Bruises – The Data We Don’t See </a:t>
+            </a:r>
+          </a:p>
+          <a:p>
+            <a:pPr lvl="1">
+              <a:lnSpc>
+                <a:spcPct val="100000"/>
+              </a:lnSpc>
+              <a:spcBef>
+                <a:spcPts val="0"/>
+              </a:spcBef>
+              <a:spcAft>
+                <a:spcPts val="0"/>
+              </a:spcAft>
+              <a:buClr>
+                <a:srgbClr val="93A299"/>
+              </a:buClr>
+              <a:buSzPts val="2040"/>
+              <a:buFont typeface="Arial"/>
+              <a:buChar char="•"/>
+              <a:defRPr/>
+            </a:pPr>
+            <a:r>
+              <a:rPr kumimoji="0" lang="en-US" sz="2000" b="0" i="0" u="none" strike="noStrike" kern="0" cap="none" spc="0" normalizeH="0" baseline="0" noProof="0" dirty="0">
+                <a:ln>
+                  <a:noFill/>
+                </a:ln>
+                <a:effectLst/>
+                <a:uLnTx/>
+                <a:uFillTx/>
+                <a:ea typeface="Arial"/>
+                <a:cs typeface="Arial"/>
+                <a:sym typeface="Arial"/>
+              </a:rPr>
+              <a:t>Dear Data </a:t>
+            </a:r>
+          </a:p>
+          <a:p>
+            <a:pPr marL="182880" marR="0" lvl="0" indent="-182880" algn="l" defTabSz="914400" rtl="0" eaLnBrk="1" fontAlgn="auto" latinLnBrk="0" hangingPunct="1">
+              <a:lnSpc>
+                <a:spcPct val="100000"/>
+              </a:lnSpc>
+              <a:spcBef>
+                <a:spcPts val="0"/>
+              </a:spcBef>
+              <a:spcAft>
+                <a:spcPts val="0"/>
+              </a:spcAft>
+              <a:buClr>
+                <a:srgbClr val="93A299"/>
+              </a:buClr>
+              <a:buSzPts val="2040"/>
+              <a:buFont typeface="Arial"/>
+              <a:buChar char="•"/>
+              <a:tabLst/>
+              <a:defRPr/>
+            </a:pPr>
+            <a:r>
+              <a:rPr lang="en-US" kern="0" dirty="0">
+                <a:ea typeface="Arial"/>
+                <a:cs typeface="Arial"/>
+                <a:sym typeface="Arial"/>
+              </a:rPr>
+              <a:t>Read about the project, look at the associated visualization(s)</a:t>
+            </a:r>
+          </a:p>
+          <a:p>
+            <a:pPr marL="182880" marR="0" lvl="0" indent="-182880" algn="l" defTabSz="914400" rtl="0" eaLnBrk="1" fontAlgn="auto" latinLnBrk="0" hangingPunct="1">
+              <a:lnSpc>
+                <a:spcPct val="100000"/>
+              </a:lnSpc>
+              <a:spcBef>
+                <a:spcPts val="0"/>
+              </a:spcBef>
+              <a:spcAft>
+                <a:spcPts val="0"/>
+              </a:spcAft>
+              <a:buClr>
+                <a:srgbClr val="93A299"/>
+              </a:buClr>
+              <a:buSzPts val="2040"/>
+              <a:buFont typeface="Arial"/>
+              <a:buChar char="•"/>
+              <a:tabLst/>
+              <a:defRPr/>
+            </a:pPr>
+            <a:r>
+              <a:rPr kumimoji="0" lang="en-US" b="0" i="0" u="none" strike="noStrike" kern="0" cap="none" spc="0" normalizeH="0" baseline="0" noProof="0" dirty="0">
+                <a:ln>
+                  <a:noFill/>
+                </a:ln>
+                <a:effectLst/>
+                <a:uLnTx/>
+                <a:uFillTx/>
+                <a:ea typeface="Arial"/>
+                <a:cs typeface="Arial"/>
+                <a:sym typeface="Arial"/>
+              </a:rPr>
+              <a:t>Prepare a short (5 min) presentation to explain the project to your classmates. Your presentation must include:</a:t>
+            </a:r>
+          </a:p>
+          <a:p>
+            <a:pPr lvl="1">
+              <a:lnSpc>
+                <a:spcPct val="100000"/>
+              </a:lnSpc>
+              <a:spcBef>
+                <a:spcPts val="0"/>
+              </a:spcBef>
+              <a:spcAft>
+                <a:spcPts val="0"/>
+              </a:spcAft>
+              <a:buClr>
+                <a:srgbClr val="93A299"/>
+              </a:buClr>
+              <a:buSzPts val="2040"/>
+              <a:buFont typeface="Arial"/>
+              <a:buChar char="•"/>
+              <a:defRPr/>
+            </a:pPr>
+            <a:r>
+              <a:rPr lang="en-US" sz="2000" kern="0" dirty="0">
+                <a:ea typeface="Arial"/>
+                <a:cs typeface="Arial"/>
+                <a:sym typeface="Arial"/>
+              </a:rPr>
+              <a:t>An overview of the project. What do you think its big picture takeaway is?</a:t>
+            </a:r>
+          </a:p>
+          <a:p>
+            <a:pPr lvl="1">
+              <a:lnSpc>
+                <a:spcPct val="100000"/>
+              </a:lnSpc>
+              <a:spcBef>
+                <a:spcPts val="0"/>
+              </a:spcBef>
+              <a:spcAft>
+                <a:spcPts val="0"/>
+              </a:spcAft>
+              <a:buClr>
+                <a:srgbClr val="93A299"/>
+              </a:buClr>
+              <a:buSzPts val="2040"/>
+              <a:buFont typeface="Arial"/>
+              <a:buChar char="•"/>
+              <a:defRPr/>
+            </a:pPr>
+            <a:r>
+              <a:rPr lang="en-US" sz="2000" kern="0" dirty="0">
+                <a:ea typeface="Arial"/>
+                <a:cs typeface="Arial"/>
+                <a:sym typeface="Arial"/>
+              </a:rPr>
+              <a:t>An overview of the data included in the project</a:t>
+            </a:r>
+          </a:p>
+          <a:p>
+            <a:pPr lvl="2">
+              <a:lnSpc>
+                <a:spcPct val="100000"/>
+              </a:lnSpc>
+              <a:spcBef>
+                <a:spcPts val="0"/>
+              </a:spcBef>
+              <a:spcAft>
+                <a:spcPts val="0"/>
+              </a:spcAft>
+              <a:buClr>
+                <a:srgbClr val="93A299"/>
+              </a:buClr>
+              <a:buSzPts val="2040"/>
+              <a:buFont typeface="Arial"/>
+              <a:buChar char="•"/>
+              <a:defRPr/>
+            </a:pPr>
+            <a:r>
+              <a:rPr lang="en-US" sz="2000" kern="0" dirty="0">
+                <a:ea typeface="Arial"/>
+                <a:cs typeface="Arial"/>
+                <a:sym typeface="Arial"/>
+              </a:rPr>
+              <a:t>How was it collected? </a:t>
+            </a:r>
+          </a:p>
+          <a:p>
+            <a:pPr lvl="2">
+              <a:lnSpc>
+                <a:spcPct val="100000"/>
+              </a:lnSpc>
+              <a:spcBef>
+                <a:spcPts val="0"/>
+              </a:spcBef>
+              <a:spcAft>
+                <a:spcPts val="0"/>
+              </a:spcAft>
+              <a:buClr>
+                <a:srgbClr val="93A299"/>
+              </a:buClr>
+              <a:buSzPts val="2040"/>
+              <a:buFont typeface="Arial"/>
+              <a:buChar char="•"/>
+              <a:defRPr/>
+            </a:pPr>
+            <a:r>
+              <a:rPr lang="en-US" sz="2000" kern="0" dirty="0">
+                <a:ea typeface="Arial"/>
+                <a:cs typeface="Arial"/>
+                <a:sym typeface="Arial"/>
+              </a:rPr>
+              <a:t>What does it represent? </a:t>
+            </a:r>
+          </a:p>
+          <a:p>
+            <a:pPr lvl="1">
+              <a:lnSpc>
+                <a:spcPct val="100000"/>
+              </a:lnSpc>
+              <a:spcBef>
+                <a:spcPts val="0"/>
+              </a:spcBef>
+              <a:spcAft>
+                <a:spcPts val="0"/>
+              </a:spcAft>
+              <a:buClr>
+                <a:srgbClr val="93A299"/>
+              </a:buClr>
+              <a:buSzPts val="2040"/>
+              <a:buFont typeface="Arial"/>
+              <a:buChar char="•"/>
+              <a:defRPr/>
+            </a:pPr>
+            <a:r>
+              <a:rPr lang="en-US" sz="2000" kern="0" dirty="0">
+                <a:ea typeface="Arial"/>
+                <a:cs typeface="Arial"/>
+                <a:sym typeface="Arial"/>
+              </a:rPr>
+              <a:t>A look at the visualizations in the project</a:t>
+            </a:r>
+          </a:p>
+          <a:p>
+            <a:pPr lvl="2">
+              <a:lnSpc>
+                <a:spcPct val="100000"/>
+              </a:lnSpc>
+              <a:spcBef>
+                <a:spcPts val="0"/>
+              </a:spcBef>
+              <a:spcAft>
+                <a:spcPts val="0"/>
+              </a:spcAft>
+              <a:buClr>
+                <a:srgbClr val="93A299"/>
+              </a:buClr>
+              <a:buSzPts val="2040"/>
+              <a:buFont typeface="Arial"/>
+              <a:buChar char="•"/>
+              <a:defRPr/>
+            </a:pPr>
+            <a:r>
+              <a:rPr lang="en-US" sz="2000" kern="0" dirty="0">
+                <a:ea typeface="Arial"/>
+                <a:cs typeface="Arial"/>
+                <a:sym typeface="Arial"/>
+              </a:rPr>
+              <a:t>At least one visualization for which you id marks and channels</a:t>
+            </a:r>
+          </a:p>
+          <a:p>
+            <a:pPr lvl="1">
+              <a:lnSpc>
+                <a:spcPct val="100000"/>
+              </a:lnSpc>
+              <a:spcBef>
+                <a:spcPts val="0"/>
+              </a:spcBef>
+              <a:spcAft>
+                <a:spcPts val="0"/>
+              </a:spcAft>
+              <a:buClr>
+                <a:srgbClr val="93A299"/>
+              </a:buClr>
+              <a:buSzPts val="2040"/>
+              <a:buFont typeface="Arial"/>
+              <a:buChar char="•"/>
+              <a:defRPr/>
+            </a:pPr>
+            <a:r>
+              <a:rPr kumimoji="0" lang="en-US" sz="2000" b="0" i="0" u="none" strike="noStrike" kern="0" cap="none" spc="0" normalizeH="0" baseline="0" noProof="0" dirty="0">
+                <a:ln>
+                  <a:noFill/>
+                </a:ln>
+                <a:effectLst/>
+                <a:uLnTx/>
+                <a:uFillTx/>
+                <a:ea typeface="Arial"/>
+                <a:cs typeface="Arial"/>
+                <a:sym typeface="Arial"/>
+              </a:rPr>
+              <a:t>What do </a:t>
+            </a:r>
+            <a:r>
+              <a:rPr kumimoji="0" lang="en-US" sz="2000" b="1" i="1" u="none" strike="noStrike" kern="0" cap="none" spc="0" normalizeH="0" baseline="0" noProof="0" dirty="0">
+                <a:ln>
+                  <a:noFill/>
+                </a:ln>
+                <a:effectLst/>
+                <a:uLnTx/>
+                <a:uFillTx/>
+                <a:ea typeface="Arial"/>
+                <a:cs typeface="Arial"/>
+                <a:sym typeface="Arial"/>
+              </a:rPr>
+              <a:t>you</a:t>
+            </a:r>
+            <a:r>
+              <a:rPr kumimoji="0" lang="en-US" sz="2000" b="0" i="0" u="none" strike="noStrike" kern="0" cap="none" spc="0" normalizeH="0" baseline="0" noProof="0" dirty="0">
+                <a:ln>
+                  <a:noFill/>
+                </a:ln>
+                <a:effectLst/>
+                <a:uLnTx/>
+                <a:uFillTx/>
+                <a:ea typeface="Arial"/>
+                <a:cs typeface="Arial"/>
+                <a:sym typeface="Arial"/>
+              </a:rPr>
+              <a:t> think of the project? Any unexpected thoughts or feelings in response to </a:t>
+            </a:r>
+            <a:r>
+              <a:rPr lang="en-US" sz="2000" kern="0" dirty="0">
+                <a:ea typeface="Arial"/>
+                <a:cs typeface="Arial"/>
+                <a:sym typeface="Arial"/>
+              </a:rPr>
+              <a:t>engaging with it? What new thing did you learn? </a:t>
+            </a:r>
+            <a:r>
+              <a:rPr kumimoji="0" lang="en-US" sz="2000" b="0" i="0" u="none" strike="noStrike" kern="0" cap="none" spc="0" normalizeH="0" baseline="0" noProof="0" dirty="0">
+                <a:ln>
+                  <a:noFill/>
+                </a:ln>
+                <a:effectLst/>
+                <a:uLnTx/>
+                <a:uFillTx/>
+                <a:ea typeface="Arial"/>
+                <a:cs typeface="Arial"/>
+                <a:sym typeface="Arial"/>
+              </a:rPr>
+              <a:t> </a:t>
+            </a:r>
+          </a:p>
+        </p:txBody>
+      </p:sp>
+    </p:spTree>
+    <p:extLst>
+      <p:ext uri="{BB962C8B-B14F-4D97-AF65-F5344CB8AC3E}">
+        <p14:creationId xmlns:p14="http://schemas.microsoft.com/office/powerpoint/2010/main" val="791846166"/>
+      </p:ext>
+    </p:extLst>
+  </p:cSld>
+  <p:clrMapOvr>
+    <a:masterClrMapping/>
+  </p:clrMapOvr>
+</p:sld>
+</file>
+
+<file path=ppt/slides/slide6.xml><?xml version="1.0" encoding="utf-8"?>
+<p:sld xmlns:a="http://schemas.openxmlformats.org/drawingml/2006/main" xmlns:r="http://schemas.openxmlformats.org/officeDocument/2006/relationships" xmlns:p="http://schemas.openxmlformats.org/presentationml/2006/main">
+  <p:cSld>
+    <p:spTree>
+      <p:nvGrpSpPr>
+        <p:cNvPr id="1" name=""/>
+        <p:cNvGrpSpPr/>
+        <p:nvPr/>
+      </p:nvGrpSpPr>
+      <p:grpSpPr>
+        <a:xfrm>
+          <a:off x="0" y="0"/>
+          <a:ext cx="0" cy="0"/>
+          <a:chOff x="0" y="0"/>
+          <a:chExt cx="0" cy="0"/>
+        </a:xfrm>
+      </p:grpSpPr>
+      <p:sp>
+        <p:nvSpPr>
+          <p:cNvPr id="2" name="Title 1">
+            <a:extLst>
+              <a:ext uri="{FF2B5EF4-FFF2-40B4-BE49-F238E27FC236}">
+                <a16:creationId xmlns:a16="http://schemas.microsoft.com/office/drawing/2014/main" id="{10D330C2-52A4-1ABA-980B-56FBC97F350C}"/>
+              </a:ext>
+            </a:extLst>
+          </p:cNvPr>
+          <p:cNvSpPr>
+            <a:spLocks noGrp="1"/>
+          </p:cNvSpPr>
+          <p:nvPr>
+            <p:ph type="title"/>
+          </p:nvPr>
+        </p:nvSpPr>
+        <p:spPr/>
+        <p:txBody>
+          <a:bodyPr/>
+          <a:lstStyle/>
+          <a:p>
+            <a:r>
+              <a:rPr lang="en-US" dirty="0"/>
+              <a:t>Discussion</a:t>
+            </a:r>
+          </a:p>
+        </p:txBody>
+      </p:sp>
+      <p:sp>
+        <p:nvSpPr>
+          <p:cNvPr id="3" name="Content Placeholder 2">
+            <a:extLst>
+              <a:ext uri="{FF2B5EF4-FFF2-40B4-BE49-F238E27FC236}">
+                <a16:creationId xmlns:a16="http://schemas.microsoft.com/office/drawing/2014/main" id="{6011E15D-4D4A-8C13-8854-3256184EC999}"/>
+              </a:ext>
+            </a:extLst>
+          </p:cNvPr>
+          <p:cNvSpPr>
+            <a:spLocks noGrp="1"/>
+          </p:cNvSpPr>
+          <p:nvPr>
+            <p:ph idx="1"/>
+          </p:nvPr>
+        </p:nvSpPr>
+        <p:spPr>
+          <a:xfrm>
+            <a:off x="3869268" y="864108"/>
+            <a:ext cx="7315200" cy="5120640"/>
+          </a:xfrm>
+        </p:spPr>
+        <p:txBody>
+          <a:bodyPr anchor="t">
+            <a:normAutofit/>
+          </a:bodyPr>
+          <a:lstStyle/>
+          <a:p>
+            <a:pPr marL="182880" marR="0" lvl="0" indent="-182880" algn="l" defTabSz="914400" rtl="0" eaLnBrk="1" fontAlgn="auto" latinLnBrk="0" hangingPunct="1">
+              <a:lnSpc>
+                <a:spcPct val="100000"/>
+              </a:lnSpc>
+              <a:spcBef>
+                <a:spcPts val="0"/>
+              </a:spcBef>
+              <a:spcAft>
+                <a:spcPts val="0"/>
+              </a:spcAft>
+              <a:buClr>
+                <a:srgbClr val="93A299"/>
+              </a:buClr>
+              <a:buSzPts val="2040"/>
+              <a:buFont typeface="Arial"/>
+              <a:buChar char="•"/>
+              <a:tabLst/>
+              <a:defRPr/>
+            </a:pPr>
+            <a:endParaRPr lang="en-US" sz="2400" kern="0" dirty="0">
+              <a:ea typeface="Arial"/>
+              <a:cs typeface="Arial"/>
+              <a:sym typeface="Arial"/>
+            </a:endParaRPr>
+          </a:p>
+          <a:p>
+            <a:pPr marL="182880" marR="0" lvl="0" indent="-182880" algn="l" defTabSz="914400" rtl="0" eaLnBrk="1" fontAlgn="auto" latinLnBrk="0" hangingPunct="1">
+              <a:lnSpc>
+                <a:spcPct val="100000"/>
+              </a:lnSpc>
+              <a:spcBef>
+                <a:spcPts val="0"/>
+              </a:spcBef>
+              <a:spcAft>
+                <a:spcPts val="0"/>
+              </a:spcAft>
+              <a:buClr>
+                <a:srgbClr val="93A299"/>
+              </a:buClr>
+              <a:buSzPts val="2040"/>
+              <a:buFont typeface="Arial"/>
+              <a:buChar char="•"/>
+              <a:tabLst/>
+              <a:defRPr/>
+            </a:pPr>
+            <a:endParaRPr lang="en-US" sz="2400" kern="0" dirty="0">
+              <a:ea typeface="Arial"/>
+              <a:cs typeface="Arial"/>
+              <a:sym typeface="Arial"/>
+            </a:endParaRPr>
+          </a:p>
+          <a:p>
+            <a:pPr marL="182880" marR="0" lvl="0" indent="-182880" algn="l" defTabSz="914400" rtl="0" eaLnBrk="1" fontAlgn="auto" latinLnBrk="0" hangingPunct="1">
+              <a:lnSpc>
+                <a:spcPct val="100000"/>
+              </a:lnSpc>
+              <a:spcBef>
+                <a:spcPts val="0"/>
+              </a:spcBef>
+              <a:spcAft>
+                <a:spcPts val="0"/>
+              </a:spcAft>
+              <a:buClr>
+                <a:srgbClr val="93A299"/>
+              </a:buClr>
+              <a:buSzPts val="2040"/>
+              <a:buFont typeface="Arial"/>
+              <a:buChar char="•"/>
+              <a:tabLst/>
+              <a:defRPr/>
+            </a:pPr>
+            <a:endParaRPr lang="en-US" sz="2400" kern="0" dirty="0">
+              <a:ea typeface="Arial"/>
+              <a:cs typeface="Arial"/>
+              <a:sym typeface="Arial"/>
+            </a:endParaRPr>
+          </a:p>
+          <a:p>
+            <a:pPr marL="182880" marR="0" lvl="0" indent="-182880" algn="l" defTabSz="914400" rtl="0" eaLnBrk="1" fontAlgn="auto" latinLnBrk="0" hangingPunct="1">
+              <a:lnSpc>
+                <a:spcPct val="100000"/>
+              </a:lnSpc>
+              <a:spcBef>
+                <a:spcPts val="0"/>
+              </a:spcBef>
+              <a:spcAft>
+                <a:spcPts val="0"/>
+              </a:spcAft>
+              <a:buClr>
+                <a:srgbClr val="93A299"/>
+              </a:buClr>
+              <a:buSzPts val="2040"/>
+              <a:buFont typeface="Arial"/>
+              <a:buChar char="•"/>
+              <a:tabLst/>
+              <a:defRPr/>
+            </a:pPr>
+            <a:endParaRPr lang="en-US" sz="2400" kern="0" dirty="0">
+              <a:ea typeface="Arial"/>
+              <a:cs typeface="Arial"/>
+              <a:sym typeface="Arial"/>
+            </a:endParaRPr>
+          </a:p>
+          <a:p>
+            <a:pPr marL="182880" marR="0" lvl="0" indent="-182880" algn="l" defTabSz="914400" rtl="0" eaLnBrk="1" fontAlgn="auto" latinLnBrk="0" hangingPunct="1">
+              <a:lnSpc>
+                <a:spcPct val="100000"/>
+              </a:lnSpc>
+              <a:spcBef>
+                <a:spcPts val="0"/>
+              </a:spcBef>
+              <a:spcAft>
+                <a:spcPts val="0"/>
+              </a:spcAft>
+              <a:buClr>
+                <a:srgbClr val="93A299"/>
+              </a:buClr>
+              <a:buSzPts val="2040"/>
+              <a:buFont typeface="Arial"/>
+              <a:buChar char="•"/>
+              <a:tabLst/>
+              <a:defRPr/>
+            </a:pPr>
+            <a:endParaRPr lang="en-US" sz="2400" kern="0" dirty="0">
+              <a:ea typeface="Arial"/>
+              <a:cs typeface="Arial"/>
+              <a:sym typeface="Arial"/>
+            </a:endParaRPr>
+          </a:p>
+          <a:p>
+            <a:pPr marL="182880" marR="0" lvl="0" indent="-182880" algn="l" defTabSz="914400" rtl="0" eaLnBrk="1" fontAlgn="auto" latinLnBrk="0" hangingPunct="1">
+              <a:lnSpc>
+                <a:spcPct val="100000"/>
+              </a:lnSpc>
+              <a:spcBef>
+                <a:spcPts val="0"/>
+              </a:spcBef>
+              <a:spcAft>
+                <a:spcPts val="0"/>
+              </a:spcAft>
+              <a:buClr>
+                <a:srgbClr val="93A299"/>
+              </a:buClr>
+              <a:buSzPts val="2040"/>
+              <a:buFont typeface="Arial"/>
+              <a:buChar char="•"/>
+              <a:tabLst/>
+              <a:defRPr/>
+            </a:pPr>
+            <a:endParaRPr lang="en-US" sz="2400" kern="0" dirty="0">
+              <a:ea typeface="Arial"/>
+              <a:cs typeface="Arial"/>
+              <a:sym typeface="Arial"/>
+            </a:endParaRPr>
+          </a:p>
+          <a:p>
+            <a:pPr marL="0" marR="0" lvl="0" indent="0" algn="l" defTabSz="914400" rtl="0" eaLnBrk="1" fontAlgn="auto" latinLnBrk="0" hangingPunct="1">
+              <a:lnSpc>
+                <a:spcPct val="100000"/>
+              </a:lnSpc>
+              <a:spcBef>
+                <a:spcPts val="0"/>
+              </a:spcBef>
+              <a:spcAft>
+                <a:spcPts val="0"/>
+              </a:spcAft>
+              <a:buClr>
+                <a:srgbClr val="93A299"/>
+              </a:buClr>
+              <a:buSzPts val="2040"/>
+              <a:buNone/>
+              <a:tabLst/>
+              <a:defRPr/>
+            </a:pPr>
+            <a:r>
+              <a:rPr lang="en-US" sz="2400" kern="0" dirty="0">
+                <a:ea typeface="Arial"/>
+                <a:cs typeface="Arial"/>
+                <a:sym typeface="Arial"/>
+              </a:rPr>
+              <a:t>Okay, now who has a hypothesis about what data humanism is?</a:t>
+            </a:r>
+          </a:p>
+        </p:txBody>
+      </p:sp>
+    </p:spTree>
+    <p:extLst>
+      <p:ext uri="{BB962C8B-B14F-4D97-AF65-F5344CB8AC3E}">
+        <p14:creationId xmlns:p14="http://schemas.microsoft.com/office/powerpoint/2010/main" val="89243817"/>
+      </p:ext>
+    </p:extLst>
+  </p:cSld>
+  <p:clrMapOvr>
+    <a:masterClrMapping/>
+  </p:clrMapOvr>
+</p:sld>
+</file>
+
+<file path=ppt/slides/slide7.xml><?xml version="1.0" encoding="utf-8"?>
+<p:sld xmlns:a="http://schemas.openxmlformats.org/drawingml/2006/main" xmlns:r="http://schemas.openxmlformats.org/officeDocument/2006/relationships" xmlns:p="http://schemas.openxmlformats.org/presentationml/2006/main">
+  <p:cSld>
+    <p:spTree>
+      <p:nvGrpSpPr>
+        <p:cNvPr id="1" name=""/>
+        <p:cNvGrpSpPr/>
+        <p:nvPr/>
+      </p:nvGrpSpPr>
+      <p:grpSpPr>
+        <a:xfrm>
+          <a:off x="0" y="0"/>
+          <a:ext cx="0" cy="0"/>
+          <a:chOff x="0" y="0"/>
+          <a:chExt cx="0" cy="0"/>
+        </a:xfrm>
+      </p:grpSpPr>
+      <p:sp>
+        <p:nvSpPr>
+          <p:cNvPr id="2" name="Title 1">
+            <a:extLst>
+              <a:ext uri="{FF2B5EF4-FFF2-40B4-BE49-F238E27FC236}">
+                <a16:creationId xmlns:a16="http://schemas.microsoft.com/office/drawing/2014/main" id="{10D330C2-52A4-1ABA-980B-56FBC97F350C}"/>
+              </a:ext>
+            </a:extLst>
+          </p:cNvPr>
+          <p:cNvSpPr>
+            <a:spLocks noGrp="1"/>
+          </p:cNvSpPr>
+          <p:nvPr>
+            <p:ph type="title"/>
+          </p:nvPr>
+        </p:nvSpPr>
+        <p:spPr/>
+        <p:txBody>
+          <a:bodyPr/>
+          <a:lstStyle/>
+          <a:p>
+            <a:r>
+              <a:rPr lang="en-US" dirty="0" err="1"/>
+              <a:t>Giorgia</a:t>
+            </a:r>
+            <a:r>
+              <a:rPr lang="en-US" dirty="0"/>
+              <a:t> </a:t>
+            </a:r>
+            <a:r>
+              <a:rPr lang="en-US" dirty="0" err="1"/>
+              <a:t>Lupi</a:t>
+            </a:r>
+            <a:endParaRPr lang="en-US" dirty="0"/>
+          </a:p>
+        </p:txBody>
+      </p:sp>
+      <p:pic>
+        <p:nvPicPr>
+          <p:cNvPr id="2050" name="Picture 2" descr="Data Humanism - A Visual Manifesto">
+            <a:extLst>
+              <a:ext uri="{FF2B5EF4-FFF2-40B4-BE49-F238E27FC236}">
+                <a16:creationId xmlns:a16="http://schemas.microsoft.com/office/drawing/2014/main" id="{4D8B36E8-B147-CC75-05BB-75A78D05044A}"/>
+              </a:ext>
+            </a:extLst>
+          </p:cNvPr>
+          <p:cNvPicPr>
+            <a:picLocks noChangeAspect="1" noChangeArrowheads="1"/>
+          </p:cNvPicPr>
+          <p:nvPr/>
+        </p:nvPicPr>
+        <p:blipFill rotWithShape="1">
+          <a:blip r:embed="rId3">
+            <a:extLst>
+              <a:ext uri="{28A0092B-C50C-407E-A947-70E740481C1C}">
+                <a14:useLocalDpi xmlns:a14="http://schemas.microsoft.com/office/drawing/2010/main" val="0"/>
+              </a:ext>
+            </a:extLst>
+          </a:blip>
+          <a:srcRect l="17954" r="10909"/>
+          <a:stretch/>
+        </p:blipFill>
+        <p:spPr bwMode="auto">
+          <a:xfrm>
+            <a:off x="5113475" y="748146"/>
+            <a:ext cx="7078525" cy="5597236"/>
+          </a:xfrm>
+          <a:prstGeom prst="rect">
+            <a:avLst/>
+          </a:prstGeom>
+          <a:noFill/>
+          <a:extLst>
+            <a:ext uri="{909E8E84-426E-40DD-AFC4-6F175D3DCCD1}">
+              <a14:hiddenFill xmlns:a14="http://schemas.microsoft.com/office/drawing/2010/main">
+                <a:solidFill>
+                  <a:srgbClr val="FFFFFF"/>
+                </a:solidFill>
+              </a14:hiddenFill>
+            </a:ext>
+          </a:extLst>
+        </p:spPr>
+      </p:pic>
+      <p:pic>
+        <p:nvPicPr>
+          <p:cNvPr id="1026" name="Picture 2" descr="Giorgia Lupi">
+            <a:extLst>
+              <a:ext uri="{FF2B5EF4-FFF2-40B4-BE49-F238E27FC236}">
+                <a16:creationId xmlns:a16="http://schemas.microsoft.com/office/drawing/2014/main" id="{63727CE9-3818-C920-D49C-D6F388E5C86F}"/>
+              </a:ext>
+            </a:extLst>
+          </p:cNvPr>
+          <p:cNvPicPr>
+            <a:picLocks noChangeAspect="1" noChangeArrowheads="1"/>
+          </p:cNvPicPr>
+          <p:nvPr/>
+        </p:nvPicPr>
+        <p:blipFill>
+          <a:blip r:embed="rId4">
+            <a:extLst>
+              <a:ext uri="{28A0092B-C50C-407E-A947-70E740481C1C}">
+                <a14:useLocalDpi xmlns:a14="http://schemas.microsoft.com/office/drawing/2010/main" val="0"/>
+              </a:ext>
+            </a:extLst>
+          </a:blip>
+          <a:srcRect/>
+          <a:stretch>
+            <a:fillRect/>
+          </a:stretch>
+        </p:blipFill>
+        <p:spPr bwMode="auto">
+          <a:xfrm>
+            <a:off x="3538104" y="199160"/>
+            <a:ext cx="2142258" cy="2142258"/>
+          </a:xfrm>
+          <a:prstGeom prst="rect">
+            <a:avLst/>
+          </a:prstGeom>
+          <a:noFill/>
+          <a:extLst>
+            <a:ext uri="{909E8E84-426E-40DD-AFC4-6F175D3DCCD1}">
+              <a14:hiddenFill xmlns:a14="http://schemas.microsoft.com/office/drawing/2010/main">
+                <a:solidFill>
+                  <a:srgbClr val="FFFFFF"/>
+                </a:solidFill>
+              </a14:hiddenFill>
+            </a:ext>
+          </a:extLst>
+        </p:spPr>
+      </p:pic>
+    </p:spTree>
+    <p:extLst>
+      <p:ext uri="{BB962C8B-B14F-4D97-AF65-F5344CB8AC3E}">
+        <p14:creationId xmlns:p14="http://schemas.microsoft.com/office/powerpoint/2010/main" val="1544512289"/>
+      </p:ext>
+    </p:extLst>
+  </p:cSld>
+  <p:clrMapOvr>
+    <a:masterClrMapping/>
+  </p:clrMapOvr>
+</p:sld>
+</file>
+
+<file path=ppt/slides/slide8.xml><?xml version="1.0" encoding="utf-8"?>
+<p:sld xmlns:a="http://schemas.openxmlformats.org/drawingml/2006/main" xmlns:r="http://schemas.openxmlformats.org/officeDocument/2006/relationships" xmlns:p="http://schemas.openxmlformats.org/presentationml/2006/main">
+  <p:cSld>
+    <p:spTree>
+      <p:nvGrpSpPr>
+        <p:cNvPr id="1" name=""/>
+        <p:cNvGrpSpPr/>
+        <p:nvPr/>
+      </p:nvGrpSpPr>
+      <p:grpSpPr>
+        <a:xfrm>
+          <a:off x="0" y="0"/>
+          <a:ext cx="0" cy="0"/>
+          <a:chOff x="0" y="0"/>
+          <a:chExt cx="0" cy="0"/>
+        </a:xfrm>
+      </p:grpSpPr>
+      <p:sp>
+        <p:nvSpPr>
+          <p:cNvPr id="2" name="Title 1">
+            <a:extLst>
+              <a:ext uri="{FF2B5EF4-FFF2-40B4-BE49-F238E27FC236}">
+                <a16:creationId xmlns:a16="http://schemas.microsoft.com/office/drawing/2014/main" id="{10D330C2-52A4-1ABA-980B-56FBC97F350C}"/>
+              </a:ext>
+            </a:extLst>
+          </p:cNvPr>
+          <p:cNvSpPr>
+            <a:spLocks noGrp="1"/>
+          </p:cNvSpPr>
+          <p:nvPr>
+            <p:ph type="title"/>
+          </p:nvPr>
+        </p:nvSpPr>
+        <p:spPr/>
+        <p:txBody>
+          <a:bodyPr/>
+          <a:lstStyle/>
+          <a:p>
+            <a:r>
+              <a:rPr lang="en-US" dirty="0"/>
+              <a:t>Data Humanism: Embrace Complexity </a:t>
+            </a:r>
+          </a:p>
+        </p:txBody>
+      </p:sp>
+      <p:pic>
+        <p:nvPicPr>
+          <p:cNvPr id="3" name="Picture 2" descr="Accurat for Corriere Della Sera. Series of exploratory, dense, data-driven narratives published in La Lettura, the Sunday cultural supplement, 2013.">
+            <a:extLst>
+              <a:ext uri="{FF2B5EF4-FFF2-40B4-BE49-F238E27FC236}">
+                <a16:creationId xmlns:a16="http://schemas.microsoft.com/office/drawing/2014/main" id="{5AD4E9A1-1408-268E-BD5D-07D8397FE96B}"/>
+              </a:ext>
+            </a:extLst>
+          </p:cNvPr>
+          <p:cNvPicPr>
+            <a:picLocks noChangeAspect="1" noChangeArrowheads="1"/>
+          </p:cNvPicPr>
+          <p:nvPr/>
+        </p:nvPicPr>
+        <p:blipFill>
+          <a:blip r:embed="rId3">
+            <a:extLst>
+              <a:ext uri="{28A0092B-C50C-407E-A947-70E740481C1C}">
+                <a14:useLocalDpi xmlns:a14="http://schemas.microsoft.com/office/drawing/2010/main" val="0"/>
+              </a:ext>
+            </a:extLst>
+          </a:blip>
+          <a:srcRect/>
+          <a:stretch>
+            <a:fillRect/>
+          </a:stretch>
+        </p:blipFill>
+        <p:spPr bwMode="auto">
+          <a:xfrm>
+            <a:off x="3104232" y="736975"/>
+            <a:ext cx="9087768" cy="5729591"/>
+          </a:xfrm>
+          <a:prstGeom prst="rect">
+            <a:avLst/>
+          </a:prstGeom>
+          <a:noFill/>
+          <a:extLst>
+            <a:ext uri="{909E8E84-426E-40DD-AFC4-6F175D3DCCD1}">
+              <a14:hiddenFill xmlns:a14="http://schemas.microsoft.com/office/drawing/2010/main">
+                <a:solidFill>
+                  <a:srgbClr val="FFFFFF"/>
+                </a:solidFill>
+              </a14:hiddenFill>
+            </a:ext>
+          </a:extLst>
+        </p:spPr>
+      </p:pic>
+    </p:spTree>
+    <p:extLst>
+      <p:ext uri="{BB962C8B-B14F-4D97-AF65-F5344CB8AC3E}">
+        <p14:creationId xmlns:p14="http://schemas.microsoft.com/office/powerpoint/2010/main" val="3368379139"/>
+      </p:ext>
+    </p:extLst>
+  </p:cSld>
+  <p:clrMapOvr>
+    <a:masterClrMapping/>
+  </p:clrMapOvr>
+</p:sld>
+</file>
+
+<file path=ppt/slides/slide9.xml><?xml version="1.0" encoding="utf-8"?>
+<p:sld xmlns:a="http://schemas.openxmlformats.org/drawingml/2006/main" xmlns:r="http://schemas.openxmlformats.org/officeDocument/2006/relationships" xmlns:p="http://schemas.openxmlformats.org/presentationml/2006/main">
+  <p:cSld>
+    <p:spTree>
+      <p:nvGrpSpPr>
+        <p:cNvPr id="1" name=""/>
+        <p:cNvGrpSpPr/>
+        <p:nvPr/>
+      </p:nvGrpSpPr>
+      <p:grpSpPr>
+        <a:xfrm>
+          <a:off x="0" y="0"/>
+          <a:ext cx="0" cy="0"/>
+          <a:chOff x="0" y="0"/>
+          <a:chExt cx="0" cy="0"/>
+        </a:xfrm>
+      </p:grpSpPr>
+      <p:sp>
+        <p:nvSpPr>
+          <p:cNvPr id="2" name="Title 1">
+            <a:extLst>
+              <a:ext uri="{FF2B5EF4-FFF2-40B4-BE49-F238E27FC236}">
+                <a16:creationId xmlns:a16="http://schemas.microsoft.com/office/drawing/2014/main" id="{10D330C2-52A4-1ABA-980B-56FBC97F350C}"/>
+              </a:ext>
+            </a:extLst>
+          </p:cNvPr>
+          <p:cNvSpPr>
+            <a:spLocks noGrp="1"/>
+          </p:cNvSpPr>
+          <p:nvPr>
+            <p:ph type="title"/>
+          </p:nvPr>
+        </p:nvSpPr>
+        <p:spPr/>
+        <p:txBody>
+          <a:bodyPr/>
+          <a:lstStyle/>
+          <a:p>
+            <a:r>
+              <a:rPr lang="en-US" dirty="0"/>
+              <a:t>Data Humanism: Move Beyond Standards</a:t>
+            </a:r>
+          </a:p>
+        </p:txBody>
+      </p:sp>
+      <p:pic>
+        <p:nvPicPr>
+          <p:cNvPr id="2050" name="Picture 2" descr="Accurat for Corriere Della Sera. “Nobels, no degrees”- Exploratory Sketch, 2013">
+            <a:extLst>
+              <a:ext uri="{FF2B5EF4-FFF2-40B4-BE49-F238E27FC236}">
+                <a16:creationId xmlns:a16="http://schemas.microsoft.com/office/drawing/2014/main" id="{C7C54E44-A2B4-6BCA-E77E-9E4B61BC57CF}"/>
+              </a:ext>
+            </a:extLst>
+          </p:cNvPr>
+          <p:cNvPicPr>
+            <a:picLocks noChangeAspect="1" noChangeArrowheads="1"/>
+          </p:cNvPicPr>
+          <p:nvPr/>
+        </p:nvPicPr>
+        <p:blipFill rotWithShape="1">
+          <a:blip r:embed="rId3">
+            <a:extLst>
+              <a:ext uri="{28A0092B-C50C-407E-A947-70E740481C1C}">
+                <a14:useLocalDpi xmlns:a14="http://schemas.microsoft.com/office/drawing/2010/main" val="0"/>
+              </a:ext>
+            </a:extLst>
+          </a:blip>
+          <a:srcRect l="26250" r="9270"/>
+          <a:stretch/>
+        </p:blipFill>
+        <p:spPr bwMode="auto">
+          <a:xfrm>
+            <a:off x="3505201" y="512762"/>
+            <a:ext cx="7861300" cy="5832475"/>
+          </a:xfrm>
+          <a:prstGeom prst="rect">
+            <a:avLst/>
+          </a:prstGeom>
+          <a:noFill/>
+          <a:extLst>
+            <a:ext uri="{909E8E84-426E-40DD-AFC4-6F175D3DCCD1}">
+              <a14:hiddenFill xmlns:a14="http://schemas.microsoft.com/office/drawing/2010/main">
+                <a:solidFill>
+                  <a:srgbClr val="FFFFFF"/>
+                </a:solidFill>
+              </a14:hiddenFill>
+            </a:ext>
+          </a:extLst>
+        </p:spPr>
+      </p:pic>
+    </p:spTree>
+    <p:extLst>
+      <p:ext uri="{BB962C8B-B14F-4D97-AF65-F5344CB8AC3E}">
+        <p14:creationId xmlns:p14="http://schemas.microsoft.com/office/powerpoint/2010/main" val="3530954380"/>
+      </p:ext>
+    </p:extLst>
+  </p:cSld>
+  <p:clrMapOvr>
+    <a:masterClrMapping/>
+  </p:clrMapOvr>
 </p:sld>
 </file>
 

--- a/slides/11-data-humanism.pptx
+++ b/slides/11-data-humanism.pptx
@@ -208,7 +208,7 @@
           <a:p>
             <a:fld id="{3CBB8A52-8AC5-C74C-97FB-632C448F3674}" type="datetimeFigureOut">
               <a:rPr lang="en-US" smtClean="0"/>
-              <a:t>10/9/24</a:t>
+              <a:t>10/10/24</a:t>
             </a:fld>
             <a:endParaRPr lang="en-US"/>
           </a:p>
@@ -2006,7 +2006,7 @@
             <a:fld id="{5586B75A-687E-405C-8A0B-8D00578BA2C3}" type="datetimeFigureOut">
               <a:rPr lang="en-US" smtClean="0"/>
               <a:pPr/>
-              <a:t>10/9/24</a:t>
+              <a:t>10/10/24</a:t>
             </a:fld>
             <a:endParaRPr lang="en-US" dirty="0"/>
           </a:p>
@@ -2178,7 +2178,7 @@
             <a:fld id="{5586B75A-687E-405C-8A0B-8D00578BA2C3}" type="datetimeFigureOut">
               <a:rPr lang="en-US" smtClean="0"/>
               <a:pPr/>
-              <a:t>10/9/24</a:t>
+              <a:t>10/10/24</a:t>
             </a:fld>
             <a:endParaRPr lang="en-US" dirty="0"/>
           </a:p>
@@ -2360,7 +2360,7 @@
             <a:fld id="{5586B75A-687E-405C-8A0B-8D00578BA2C3}" type="datetimeFigureOut">
               <a:rPr lang="en-US" smtClean="0"/>
               <a:pPr/>
-              <a:t>10/9/24</a:t>
+              <a:t>10/10/24</a:t>
             </a:fld>
             <a:endParaRPr lang="en-US" dirty="0"/>
           </a:p>
@@ -2532,7 +2532,7 @@
             <a:fld id="{5586B75A-687E-405C-8A0B-8D00578BA2C3}" type="datetimeFigureOut">
               <a:rPr lang="en-US" smtClean="0"/>
               <a:pPr/>
-              <a:t>10/9/24</a:t>
+              <a:t>10/10/24</a:t>
             </a:fld>
             <a:endParaRPr lang="en-US" dirty="0"/>
           </a:p>
@@ -2788,7 +2788,7 @@
             <a:fld id="{5586B75A-687E-405C-8A0B-8D00578BA2C3}" type="datetimeFigureOut">
               <a:rPr lang="en-US" smtClean="0"/>
               <a:pPr/>
-              <a:t>10/9/24</a:t>
+              <a:t>10/10/24</a:t>
             </a:fld>
             <a:endParaRPr lang="en-US" dirty="0"/>
           </a:p>
@@ -3078,7 +3078,7 @@
             <a:fld id="{5586B75A-687E-405C-8A0B-8D00578BA2C3}" type="datetimeFigureOut">
               <a:rPr lang="en-US" smtClean="0"/>
               <a:pPr/>
-              <a:t>10/9/24</a:t>
+              <a:t>10/10/24</a:t>
             </a:fld>
             <a:endParaRPr lang="en-US" dirty="0"/>
           </a:p>
@@ -3522,7 +3522,7 @@
             <a:fld id="{5586B75A-687E-405C-8A0B-8D00578BA2C3}" type="datetimeFigureOut">
               <a:rPr lang="en-US" smtClean="0"/>
               <a:pPr/>
-              <a:t>10/9/24</a:t>
+              <a:t>10/10/24</a:t>
             </a:fld>
             <a:endParaRPr lang="en-US" dirty="0"/>
           </a:p>
@@ -3642,7 +3642,7 @@
             <a:fld id="{5586B75A-687E-405C-8A0B-8D00578BA2C3}" type="datetimeFigureOut">
               <a:rPr lang="en-US" smtClean="0"/>
               <a:pPr/>
-              <a:t>10/9/24</a:t>
+              <a:t>10/10/24</a:t>
             </a:fld>
             <a:endParaRPr lang="en-US" dirty="0"/>
           </a:p>
@@ -3739,7 +3739,7 @@
             <a:fld id="{5586B75A-687E-405C-8A0B-8D00578BA2C3}" type="datetimeFigureOut">
               <a:rPr lang="en-US" smtClean="0"/>
               <a:pPr/>
-              <a:t>10/9/24</a:t>
+              <a:t>10/10/24</a:t>
             </a:fld>
             <a:endParaRPr lang="en-US" dirty="0"/>
           </a:p>
@@ -4029,7 +4029,7 @@
             <a:fld id="{5586B75A-687E-405C-8A0B-8D00578BA2C3}" type="datetimeFigureOut">
               <a:rPr lang="en-US" smtClean="0"/>
               <a:pPr/>
-              <a:t>10/9/24</a:t>
+              <a:t>10/10/24</a:t>
             </a:fld>
             <a:endParaRPr lang="en-US" dirty="0"/>
           </a:p>
@@ -4304,7 +4304,7 @@
             <a:fld id="{5586B75A-687E-405C-8A0B-8D00578BA2C3}" type="datetimeFigureOut">
               <a:rPr lang="en-US" smtClean="0"/>
               <a:pPr/>
-              <a:t>10/9/24</a:t>
+              <a:t>10/10/24</a:t>
             </a:fld>
             <a:endParaRPr lang="en-US" dirty="0"/>
           </a:p>
@@ -4603,7 +4603,7 @@
             <a:fld id="{5586B75A-687E-405C-8A0B-8D00578BA2C3}" type="datetimeFigureOut">
               <a:rPr lang="en-US" smtClean="0"/>
               <a:pPr/>
-              <a:t>10/9/24</a:t>
+              <a:t>10/10/24</a:t>
             </a:fld>
             <a:endParaRPr lang="en-US" dirty="0"/>
           </a:p>
@@ -6598,7 +6598,12 @@
             <p:ph type="title"/>
           </p:nvPr>
         </p:nvSpPr>
-        <p:spPr/>
+        <p:spPr>
+          <a:xfrm>
+            <a:off x="252919" y="1123837"/>
+            <a:ext cx="3196868" cy="4601183"/>
+          </a:xfrm>
+        </p:spPr>
         <p:txBody>
           <a:bodyPr/>
           <a:lstStyle/>
@@ -6607,6 +6612,20 @@
               <a:rPr lang="en-US" dirty="0"/>
               <a:t>Exploration</a:t>
             </a:r>
+            <a:br>
+              <a:rPr lang="en-US" dirty="0"/>
+            </a:br>
+            <a:r>
+              <a:rPr lang="en-US" sz="2400" dirty="0">
+                <a:hlinkClick r:id="rId3"/>
+              </a:rPr>
+              <a:t>https://giorgialupi.com/</a:t>
+            </a:r>
+            <a:r>
+              <a:rPr lang="en-US" sz="2400" dirty="0"/>
+              <a:t> </a:t>
+            </a:r>
+            <a:endParaRPr lang="en-US" dirty="0"/>
           </a:p>
         </p:txBody>
       </p:sp>
@@ -6743,7 +6762,7 @@
               <a:defRPr/>
             </a:pPr>
             <a:r>
-              <a:rPr lang="en-US" sz="2000" kern="0" dirty="0">
+              <a:rPr lang="en-US" sz="2000" strike="sngStrike" kern="0" dirty="0">
                 <a:ea typeface="Arial"/>
                 <a:cs typeface="Arial"/>
                 <a:sym typeface="Arial"/>
@@ -6771,7 +6790,7 @@
               <a:defRPr/>
             </a:pPr>
             <a:r>
-              <a:rPr kumimoji="0" lang="en-US" sz="2000" b="0" i="0" u="none" strike="noStrike" kern="0" cap="none" spc="0" normalizeH="0" baseline="0" noProof="0" dirty="0" err="1">
+              <a:rPr kumimoji="0" lang="en-US" sz="2000" b="0" i="0" u="none" strike="sngStrike" kern="0" cap="none" spc="0" normalizeH="0" baseline="0" noProof="0" dirty="0" err="1">
                 <a:ln>
                   <a:noFill/>
                 </a:ln>
@@ -6784,7 +6803,7 @@
               </a:rPr>
               <a:t>Mindworks</a:t>
             </a:r>
-            <a:endParaRPr kumimoji="0" lang="en-US" sz="2000" b="0" i="0" u="none" strike="noStrike" kern="0" cap="none" spc="0" normalizeH="0" baseline="0" noProof="0" dirty="0">
+            <a:endParaRPr kumimoji="0" lang="en-US" sz="2000" b="0" i="0" u="none" strike="sngStrike" kern="0" cap="none" spc="0" normalizeH="0" baseline="0" noProof="0" dirty="0">
               <a:ln>
                 <a:noFill/>
               </a:ln>
@@ -6816,7 +6835,7 @@
               <a:defRPr/>
             </a:pPr>
             <a:r>
-              <a:rPr kumimoji="0" lang="en-US" sz="2000" b="0" i="0" u="none" strike="noStrike" kern="0" cap="none" spc="0" normalizeH="0" baseline="0" noProof="0" dirty="0">
+              <a:rPr kumimoji="0" lang="en-US" sz="2000" b="0" i="0" u="none" strike="sngStrike" kern="0" cap="none" spc="0" normalizeH="0" baseline="0" noProof="0" dirty="0">
                 <a:ln>
                   <a:noFill/>
                 </a:ln>
@@ -6850,7 +6869,7 @@
               <a:defRPr/>
             </a:pPr>
             <a:r>
-              <a:rPr kumimoji="0" lang="en-US" sz="2000" b="0" i="0" u="none" strike="noStrike" kern="0" cap="none" spc="0" normalizeH="0" baseline="0" noProof="0" dirty="0">
+              <a:rPr kumimoji="0" lang="en-US" sz="2000" b="0" i="0" u="none" strike="sngStrike" kern="0" cap="none" spc="0" normalizeH="0" baseline="0" noProof="0" dirty="0">
                 <a:ln>
                   <a:noFill/>
                 </a:ln>
@@ -6884,7 +6903,7 @@
               <a:defRPr/>
             </a:pPr>
             <a:r>
-              <a:rPr lang="en-US" sz="2000" kern="0" dirty="0">
+              <a:rPr lang="en-US" sz="2000" strike="sngStrike" kern="0" dirty="0">
                 <a:ea typeface="Arial"/>
                 <a:cs typeface="Arial"/>
                 <a:sym typeface="Arial"/>
@@ -6912,7 +6931,7 @@
               <a:defRPr/>
             </a:pPr>
             <a:r>
-              <a:rPr kumimoji="0" lang="en-US" sz="2000" b="0" i="0" u="none" strike="noStrike" kern="0" cap="none" spc="0" normalizeH="0" baseline="0" noProof="0" dirty="0">
+              <a:rPr kumimoji="0" lang="en-US" sz="2000" b="0" i="0" u="none" strike="sngStrike" kern="0" cap="none" spc="0" normalizeH="0" baseline="0" noProof="0" dirty="0">
                 <a:ln>
                   <a:noFill/>
                 </a:ln>
@@ -6926,7 +6945,7 @@
               <a:t>The </a:t>
             </a:r>
             <a:r>
-              <a:rPr lang="en-US" sz="2000" kern="0" dirty="0">
+              <a:rPr lang="en-US" sz="2000" strike="sngStrike" kern="0" dirty="0">
                 <a:ea typeface="Arial"/>
                 <a:cs typeface="Arial"/>
                 <a:sym typeface="Arial"/>
@@ -6954,7 +6973,7 @@
               <a:defRPr/>
             </a:pPr>
             <a:r>
-              <a:rPr lang="en-US" sz="2000" kern="0" dirty="0">
+              <a:rPr lang="en-US" sz="2000" strike="sngStrike" kern="0" dirty="0">
                 <a:ea typeface="Arial"/>
                 <a:cs typeface="Arial"/>
                 <a:sym typeface="Arial"/>
@@ -6982,7 +7001,7 @@
               <a:defRPr/>
             </a:pPr>
             <a:r>
-              <a:rPr kumimoji="0" lang="en-US" sz="2000" b="0" i="0" u="none" strike="noStrike" kern="0" cap="none" spc="0" normalizeH="0" baseline="0" noProof="0" dirty="0">
+              <a:rPr kumimoji="0" lang="en-US" sz="2000" b="0" i="0" u="none" strike="sngStrike" kern="0" cap="none" spc="0" normalizeH="0" baseline="0" noProof="0" dirty="0">
                 <a:ln>
                   <a:noFill/>
                 </a:ln>
